--- a/ref/lab4 extra OSIoT directory.pptx
+++ b/ref/lab4 extra OSIoT directory.pptx
@@ -121,6 +121,43 @@
 </p:presentation>
 </file>
 
+<file path=ppt/revisionInfo.xml><?xml version="1.0" encoding="utf-8"?>
+<p1510:revInfo xmlns:a="http://schemas.openxmlformats.org/drawingml/2006/main" xmlns:r="http://schemas.openxmlformats.org/officeDocument/2006/relationships" xmlns:p1510="http://schemas.microsoft.com/office/powerpoint/2015/10/main">
+  <p1510:revLst>
+    <p1510:client id="{0B596DA3-4FEA-41A1-9F23-CDA7CE612FF3}" v="1" dt="2024-12-09T10:49:19.227"/>
+  </p1510:revLst>
+</p1510:revInfo>
+</file>
+
+<file path=ppt/changesInfos/changesInfo1.xml><?xml version="1.0" encoding="utf-8"?>
+<pc:chgInfo xmlns:a="http://schemas.openxmlformats.org/drawingml/2006/main" xmlns:r="http://schemas.openxmlformats.org/officeDocument/2006/relationships" xmlns:ac="http://schemas.microsoft.com/office/drawing/2013/main/command" xmlns:pc="http://schemas.microsoft.com/office/powerpoint/2013/main/command">
+  <pc:docChgLst>
+    <pc:chgData name="Konrad Gerrens" userId="4fc030384f31ec8e" providerId="LiveId" clId="{0B596DA3-4FEA-41A1-9F23-CDA7CE612FF3}"/>
+    <pc:docChg chg="modSld">
+      <pc:chgData name="Konrad Gerrens" userId="4fc030384f31ec8e" providerId="LiveId" clId="{0B596DA3-4FEA-41A1-9F23-CDA7CE612FF3}" dt="2024-12-09T10:49:19.222" v="0" actId="1076"/>
+      <pc:docMkLst>
+        <pc:docMk/>
+      </pc:docMkLst>
+      <pc:sldChg chg="modSp">
+        <pc:chgData name="Konrad Gerrens" userId="4fc030384f31ec8e" providerId="LiveId" clId="{0B596DA3-4FEA-41A1-9F23-CDA7CE612FF3}" dt="2024-12-09T10:49:19.222" v="0" actId="1076"/>
+        <pc:sldMkLst>
+          <pc:docMk/>
+          <pc:sldMk cId="1442982685" sldId="261"/>
+        </pc:sldMkLst>
+        <pc:spChg chg="mod">
+          <ac:chgData name="Konrad Gerrens" userId="4fc030384f31ec8e" providerId="LiveId" clId="{0B596DA3-4FEA-41A1-9F23-CDA7CE612FF3}" dt="2024-12-09T10:49:19.222" v="0" actId="1076"/>
+          <ac:spMkLst>
+            <pc:docMk/>
+            <pc:sldMk cId="1442982685" sldId="261"/>
+            <ac:spMk id="9218" creationId="{00000000-0000-0000-0000-000000000000}"/>
+          </ac:spMkLst>
+        </pc:spChg>
+      </pc:sldChg>
+    </pc:docChg>
+  </pc:docChgLst>
+</pc:chgInfo>
+</file>
+
 <file path=ppt/slideLayouts/slideLayout1.xml><?xml version="1.0" encoding="utf-8"?>
 <p:sldLayout xmlns:a="http://schemas.openxmlformats.org/drawingml/2006/main" xmlns:r="http://schemas.openxmlformats.org/officeDocument/2006/relationships" xmlns:p="http://schemas.openxmlformats.org/presentationml/2006/main" showMasterSp="0" type="title" preserve="1">
   <p:cSld name="标题幻灯片">
@@ -178,7 +215,7 @@
           <a:p>
             <a:pPr lvl="0"/>
             <a:r>
-              <a:rPr lang="en-US" altLang="zh-CN" noProof="0" smtClean="0"/>
+              <a:rPr lang="en-US" altLang="zh-CN" noProof="0"/>
               <a:t>Click to edit Master title style</a:t>
             </a:r>
           </a:p>
@@ -217,7 +254,7 @@
           <a:p>
             <a:pPr lvl="0"/>
             <a:r>
-              <a:rPr lang="en-US" altLang="zh-CN" noProof="0" smtClean="0"/>
+              <a:rPr lang="en-US" altLang="zh-CN" noProof="0"/>
               <a:t>Click to edit Master subtitle style</a:t>
             </a:r>
           </a:p>
@@ -272,10 +309,9 @@
           <a:lstStyle/>
           <a:p>
             <a:r>
-              <a:rPr lang="zh-CN" altLang="en-US" smtClean="0"/>
+              <a:rPr lang="zh-CN" altLang="en-US"/>
               <a:t>单击此处编辑母版标题样式</a:t>
             </a:r>
-            <a:endParaRPr lang="zh-CN" altLang="en-US"/>
           </a:p>
         </p:txBody>
       </p:sp>
@@ -301,38 +337,37 @@
           <a:p>
             <a:pPr lvl="0"/>
             <a:r>
-              <a:rPr lang="zh-CN" altLang="en-US" smtClean="0"/>
+              <a:rPr lang="zh-CN" altLang="en-US"/>
               <a:t>单击此处编辑母版文本样式</a:t>
             </a:r>
           </a:p>
           <a:p>
             <a:pPr lvl="1"/>
             <a:r>
-              <a:rPr lang="zh-CN" altLang="en-US" smtClean="0"/>
+              <a:rPr lang="zh-CN" altLang="en-US"/>
               <a:t>第二级</a:t>
             </a:r>
           </a:p>
           <a:p>
             <a:pPr lvl="2"/>
             <a:r>
-              <a:rPr lang="zh-CN" altLang="en-US" smtClean="0"/>
+              <a:rPr lang="zh-CN" altLang="en-US"/>
               <a:t>第三级</a:t>
             </a:r>
           </a:p>
           <a:p>
             <a:pPr lvl="3"/>
             <a:r>
-              <a:rPr lang="zh-CN" altLang="en-US" smtClean="0"/>
+              <a:rPr lang="zh-CN" altLang="en-US"/>
               <a:t>第四级</a:t>
             </a:r>
           </a:p>
           <a:p>
             <a:pPr lvl="4"/>
             <a:r>
-              <a:rPr lang="zh-CN" altLang="en-US" smtClean="0"/>
+              <a:rPr lang="zh-CN" altLang="en-US"/>
               <a:t>第五级</a:t>
             </a:r>
-            <a:endParaRPr lang="zh-CN" altLang="en-US"/>
           </a:p>
         </p:txBody>
       </p:sp>
@@ -390,10 +425,9 @@
           <a:lstStyle/>
           <a:p>
             <a:r>
-              <a:rPr lang="zh-CN" altLang="en-US" smtClean="0"/>
+              <a:rPr lang="zh-CN" altLang="en-US"/>
               <a:t>单击此处编辑母版标题样式</a:t>
             </a:r>
-            <a:endParaRPr lang="zh-CN" altLang="en-US"/>
           </a:p>
         </p:txBody>
       </p:sp>
@@ -419,38 +453,37 @@
           <a:p>
             <a:pPr lvl="0"/>
             <a:r>
-              <a:rPr lang="zh-CN" altLang="en-US" smtClean="0"/>
+              <a:rPr lang="zh-CN" altLang="en-US"/>
               <a:t>单击此处编辑母版文本样式</a:t>
             </a:r>
           </a:p>
           <a:p>
             <a:pPr lvl="1"/>
             <a:r>
-              <a:rPr lang="zh-CN" altLang="en-US" smtClean="0"/>
+              <a:rPr lang="zh-CN" altLang="en-US"/>
               <a:t>第二级</a:t>
             </a:r>
           </a:p>
           <a:p>
             <a:pPr lvl="2"/>
             <a:r>
-              <a:rPr lang="zh-CN" altLang="en-US" smtClean="0"/>
+              <a:rPr lang="zh-CN" altLang="en-US"/>
               <a:t>第三级</a:t>
             </a:r>
           </a:p>
           <a:p>
             <a:pPr lvl="3"/>
             <a:r>
-              <a:rPr lang="zh-CN" altLang="en-US" smtClean="0"/>
+              <a:rPr lang="zh-CN" altLang="en-US"/>
               <a:t>第四级</a:t>
             </a:r>
           </a:p>
           <a:p>
             <a:pPr lvl="4"/>
             <a:r>
-              <a:rPr lang="zh-CN" altLang="en-US" smtClean="0"/>
+              <a:rPr lang="zh-CN" altLang="en-US"/>
               <a:t>第五级</a:t>
             </a:r>
-            <a:endParaRPr lang="zh-CN" altLang="en-US"/>
           </a:p>
         </p:txBody>
       </p:sp>
@@ -509,38 +542,37 @@
           <a:p>
             <a:pPr lvl="0"/>
             <a:r>
-              <a:rPr lang="zh-CN" altLang="en-US" smtClean="0"/>
+              <a:rPr lang="zh-CN" altLang="en-US"/>
               <a:t>单击此处编辑母版文本样式</a:t>
             </a:r>
           </a:p>
           <a:p>
             <a:pPr lvl="1"/>
             <a:r>
-              <a:rPr lang="zh-CN" altLang="en-US" smtClean="0"/>
+              <a:rPr lang="zh-CN" altLang="en-US"/>
               <a:t>第二级</a:t>
             </a:r>
           </a:p>
           <a:p>
             <a:pPr lvl="2"/>
             <a:r>
-              <a:rPr lang="zh-CN" altLang="en-US" smtClean="0"/>
+              <a:rPr lang="zh-CN" altLang="en-US"/>
               <a:t>第三级</a:t>
             </a:r>
           </a:p>
           <a:p>
             <a:pPr lvl="3"/>
             <a:r>
-              <a:rPr lang="zh-CN" altLang="en-US" smtClean="0"/>
+              <a:rPr lang="zh-CN" altLang="en-US"/>
               <a:t>第四级</a:t>
             </a:r>
           </a:p>
           <a:p>
             <a:pPr lvl="4"/>
             <a:r>
-              <a:rPr lang="zh-CN" altLang="en-US" smtClean="0"/>
+              <a:rPr lang="zh-CN" altLang="en-US"/>
               <a:t>第五级</a:t>
             </a:r>
-            <a:endParaRPr lang="zh-CN" altLang="en-US"/>
           </a:p>
         </p:txBody>
       </p:sp>
@@ -593,10 +625,9 @@
           <a:lstStyle/>
           <a:p>
             <a:r>
-              <a:rPr lang="zh-CN" altLang="en-US" smtClean="0"/>
+              <a:rPr lang="zh-CN" altLang="en-US"/>
               <a:t>单击此处编辑母版标题样式</a:t>
             </a:r>
-            <a:endParaRPr lang="zh-CN" altLang="en-US"/>
           </a:p>
         </p:txBody>
       </p:sp>
@@ -617,38 +648,37 @@
           <a:p>
             <a:pPr lvl="0"/>
             <a:r>
-              <a:rPr lang="zh-CN" altLang="en-US" smtClean="0"/>
+              <a:rPr lang="zh-CN" altLang="en-US"/>
               <a:t>单击此处编辑母版文本样式</a:t>
             </a:r>
           </a:p>
           <a:p>
             <a:pPr lvl="1"/>
             <a:r>
-              <a:rPr lang="zh-CN" altLang="en-US" smtClean="0"/>
+              <a:rPr lang="zh-CN" altLang="en-US"/>
               <a:t>第二级</a:t>
             </a:r>
           </a:p>
           <a:p>
             <a:pPr lvl="2"/>
             <a:r>
-              <a:rPr lang="zh-CN" altLang="en-US" smtClean="0"/>
+              <a:rPr lang="zh-CN" altLang="en-US"/>
               <a:t>第三级</a:t>
             </a:r>
           </a:p>
           <a:p>
             <a:pPr lvl="3"/>
             <a:r>
-              <a:rPr lang="zh-CN" altLang="en-US" smtClean="0"/>
+              <a:rPr lang="zh-CN" altLang="en-US"/>
               <a:t>第四级</a:t>
             </a:r>
           </a:p>
           <a:p>
             <a:pPr lvl="4"/>
             <a:r>
-              <a:rPr lang="zh-CN" altLang="en-US" smtClean="0"/>
+              <a:rPr lang="zh-CN" altLang="en-US"/>
               <a:t>第五级</a:t>
             </a:r>
-            <a:endParaRPr lang="zh-CN" altLang="en-US"/>
           </a:p>
         </p:txBody>
       </p:sp>
@@ -710,10 +740,9 @@
           </a:lstStyle>
           <a:p>
             <a:r>
-              <a:rPr lang="zh-CN" altLang="en-US" smtClean="0"/>
+              <a:rPr lang="zh-CN" altLang="en-US"/>
               <a:t>单击此处编辑母版标题样式</a:t>
             </a:r>
-            <a:endParaRPr lang="zh-CN" altLang="en-US"/>
           </a:p>
         </p:txBody>
       </p:sp>
@@ -776,7 +805,7 @@
           <a:p>
             <a:pPr lvl="0"/>
             <a:r>
-              <a:rPr lang="zh-CN" altLang="en-US" smtClean="0"/>
+              <a:rPr lang="zh-CN" altLang="en-US"/>
               <a:t>单击此处编辑母版文本样式</a:t>
             </a:r>
           </a:p>
@@ -831,10 +860,9 @@
           <a:lstStyle/>
           <a:p>
             <a:r>
-              <a:rPr lang="zh-CN" altLang="en-US" smtClean="0"/>
+              <a:rPr lang="zh-CN" altLang="en-US"/>
               <a:t>单击此处编辑母版标题样式</a:t>
             </a:r>
-            <a:endParaRPr lang="zh-CN" altLang="en-US"/>
           </a:p>
         </p:txBody>
       </p:sp>
@@ -860,38 +888,37 @@
           <a:p>
             <a:pPr lvl="0"/>
             <a:r>
-              <a:rPr lang="zh-CN" altLang="en-US" smtClean="0"/>
+              <a:rPr lang="zh-CN" altLang="en-US"/>
               <a:t>单击此处编辑母版文本样式</a:t>
             </a:r>
           </a:p>
           <a:p>
             <a:pPr lvl="1"/>
             <a:r>
-              <a:rPr lang="zh-CN" altLang="en-US" smtClean="0"/>
+              <a:rPr lang="zh-CN" altLang="en-US"/>
               <a:t>第二级</a:t>
             </a:r>
           </a:p>
           <a:p>
             <a:pPr lvl="2"/>
             <a:r>
-              <a:rPr lang="zh-CN" altLang="en-US" smtClean="0"/>
+              <a:rPr lang="zh-CN" altLang="en-US"/>
               <a:t>第三级</a:t>
             </a:r>
           </a:p>
           <a:p>
             <a:pPr lvl="3"/>
             <a:r>
-              <a:rPr lang="zh-CN" altLang="en-US" smtClean="0"/>
+              <a:rPr lang="zh-CN" altLang="en-US"/>
               <a:t>第四级</a:t>
             </a:r>
           </a:p>
           <a:p>
             <a:pPr lvl="4"/>
             <a:r>
-              <a:rPr lang="zh-CN" altLang="en-US" smtClean="0"/>
+              <a:rPr lang="zh-CN" altLang="en-US"/>
               <a:t>第五级</a:t>
             </a:r>
-            <a:endParaRPr lang="zh-CN" altLang="en-US"/>
           </a:p>
         </p:txBody>
       </p:sp>
@@ -917,38 +944,37 @@
           <a:p>
             <a:pPr lvl="0"/>
             <a:r>
-              <a:rPr lang="zh-CN" altLang="en-US" smtClean="0"/>
+              <a:rPr lang="zh-CN" altLang="en-US"/>
               <a:t>单击此处编辑母版文本样式</a:t>
             </a:r>
           </a:p>
           <a:p>
             <a:pPr lvl="1"/>
             <a:r>
-              <a:rPr lang="zh-CN" altLang="en-US" smtClean="0"/>
+              <a:rPr lang="zh-CN" altLang="en-US"/>
               <a:t>第二级</a:t>
             </a:r>
           </a:p>
           <a:p>
             <a:pPr lvl="2"/>
             <a:r>
-              <a:rPr lang="zh-CN" altLang="en-US" smtClean="0"/>
+              <a:rPr lang="zh-CN" altLang="en-US"/>
               <a:t>第三级</a:t>
             </a:r>
           </a:p>
           <a:p>
             <a:pPr lvl="3"/>
             <a:r>
-              <a:rPr lang="zh-CN" altLang="en-US" smtClean="0"/>
+              <a:rPr lang="zh-CN" altLang="en-US"/>
               <a:t>第四级</a:t>
             </a:r>
           </a:p>
           <a:p>
             <a:pPr lvl="4"/>
             <a:r>
-              <a:rPr lang="zh-CN" altLang="en-US" smtClean="0"/>
+              <a:rPr lang="zh-CN" altLang="en-US"/>
               <a:t>第五级</a:t>
             </a:r>
-            <a:endParaRPr lang="zh-CN" altLang="en-US"/>
           </a:p>
         </p:txBody>
       </p:sp>
@@ -1006,10 +1032,9 @@
           <a:lstStyle/>
           <a:p>
             <a:r>
-              <a:rPr lang="zh-CN" altLang="en-US" smtClean="0"/>
+              <a:rPr lang="zh-CN" altLang="en-US"/>
               <a:t>单击此处编辑母版标题样式</a:t>
             </a:r>
-            <a:endParaRPr lang="zh-CN" altLang="en-US"/>
           </a:p>
         </p:txBody>
       </p:sp>
@@ -1072,7 +1097,7 @@
           <a:p>
             <a:pPr lvl="0"/>
             <a:r>
-              <a:rPr lang="zh-CN" altLang="en-US" smtClean="0"/>
+              <a:rPr lang="zh-CN" altLang="en-US"/>
               <a:t>单击此处编辑母版文本样式</a:t>
             </a:r>
           </a:p>
@@ -1100,38 +1125,37 @@
           <a:p>
             <a:pPr lvl="0"/>
             <a:r>
-              <a:rPr lang="zh-CN" altLang="en-US" smtClean="0"/>
+              <a:rPr lang="zh-CN" altLang="en-US"/>
               <a:t>单击此处编辑母版文本样式</a:t>
             </a:r>
           </a:p>
           <a:p>
             <a:pPr lvl="1"/>
             <a:r>
-              <a:rPr lang="zh-CN" altLang="en-US" smtClean="0"/>
+              <a:rPr lang="zh-CN" altLang="en-US"/>
               <a:t>第二级</a:t>
             </a:r>
           </a:p>
           <a:p>
             <a:pPr lvl="2"/>
             <a:r>
-              <a:rPr lang="zh-CN" altLang="en-US" smtClean="0"/>
+              <a:rPr lang="zh-CN" altLang="en-US"/>
               <a:t>第三级</a:t>
             </a:r>
           </a:p>
           <a:p>
             <a:pPr lvl="3"/>
             <a:r>
-              <a:rPr lang="zh-CN" altLang="en-US" smtClean="0"/>
+              <a:rPr lang="zh-CN" altLang="en-US"/>
               <a:t>第四级</a:t>
             </a:r>
           </a:p>
           <a:p>
             <a:pPr lvl="4"/>
             <a:r>
-              <a:rPr lang="zh-CN" altLang="en-US" smtClean="0"/>
+              <a:rPr lang="zh-CN" altLang="en-US"/>
               <a:t>第五级</a:t>
             </a:r>
-            <a:endParaRPr lang="zh-CN" altLang="en-US"/>
           </a:p>
         </p:txBody>
       </p:sp>
@@ -1194,7 +1218,7 @@
           <a:p>
             <a:pPr lvl="0"/>
             <a:r>
-              <a:rPr lang="zh-CN" altLang="en-US" smtClean="0"/>
+              <a:rPr lang="zh-CN" altLang="en-US"/>
               <a:t>单击此处编辑母版文本样式</a:t>
             </a:r>
           </a:p>
@@ -1222,38 +1246,37 @@
           <a:p>
             <a:pPr lvl="0"/>
             <a:r>
-              <a:rPr lang="zh-CN" altLang="en-US" smtClean="0"/>
+              <a:rPr lang="zh-CN" altLang="en-US"/>
               <a:t>单击此处编辑母版文本样式</a:t>
             </a:r>
           </a:p>
           <a:p>
             <a:pPr lvl="1"/>
             <a:r>
-              <a:rPr lang="zh-CN" altLang="en-US" smtClean="0"/>
+              <a:rPr lang="zh-CN" altLang="en-US"/>
               <a:t>第二级</a:t>
             </a:r>
           </a:p>
           <a:p>
             <a:pPr lvl="2"/>
             <a:r>
-              <a:rPr lang="zh-CN" altLang="en-US" smtClean="0"/>
+              <a:rPr lang="zh-CN" altLang="en-US"/>
               <a:t>第三级</a:t>
             </a:r>
           </a:p>
           <a:p>
             <a:pPr lvl="3"/>
             <a:r>
-              <a:rPr lang="zh-CN" altLang="en-US" smtClean="0"/>
+              <a:rPr lang="zh-CN" altLang="en-US"/>
               <a:t>第四级</a:t>
             </a:r>
           </a:p>
           <a:p>
             <a:pPr lvl="4"/>
             <a:r>
-              <a:rPr lang="zh-CN" altLang="en-US" smtClean="0"/>
+              <a:rPr lang="zh-CN" altLang="en-US"/>
               <a:t>第五级</a:t>
             </a:r>
-            <a:endParaRPr lang="zh-CN" altLang="en-US"/>
           </a:p>
         </p:txBody>
       </p:sp>
@@ -1306,10 +1329,9 @@
           <a:lstStyle/>
           <a:p>
             <a:r>
-              <a:rPr lang="zh-CN" altLang="en-US" smtClean="0"/>
+              <a:rPr lang="zh-CN" altLang="en-US"/>
               <a:t>单击此处编辑母版标题样式</a:t>
             </a:r>
-            <a:endParaRPr lang="zh-CN" altLang="en-US"/>
           </a:p>
         </p:txBody>
       </p:sp>
@@ -1404,10 +1426,9 @@
           </a:lstStyle>
           <a:p>
             <a:r>
-              <a:rPr lang="zh-CN" altLang="en-US" smtClean="0"/>
+              <a:rPr lang="zh-CN" altLang="en-US"/>
               <a:t>单击此处编辑母版标题样式</a:t>
             </a:r>
-            <a:endParaRPr lang="zh-CN" altLang="en-US"/>
           </a:p>
         </p:txBody>
       </p:sp>
@@ -1461,38 +1482,37 @@
           <a:p>
             <a:pPr lvl="0"/>
             <a:r>
-              <a:rPr lang="zh-CN" altLang="en-US" smtClean="0"/>
+              <a:rPr lang="zh-CN" altLang="en-US"/>
               <a:t>单击此处编辑母版文本样式</a:t>
             </a:r>
           </a:p>
           <a:p>
             <a:pPr lvl="1"/>
             <a:r>
-              <a:rPr lang="zh-CN" altLang="en-US" smtClean="0"/>
+              <a:rPr lang="zh-CN" altLang="en-US"/>
               <a:t>第二级</a:t>
             </a:r>
           </a:p>
           <a:p>
             <a:pPr lvl="2"/>
             <a:r>
-              <a:rPr lang="zh-CN" altLang="en-US" smtClean="0"/>
+              <a:rPr lang="zh-CN" altLang="en-US"/>
               <a:t>第三级</a:t>
             </a:r>
           </a:p>
           <a:p>
             <a:pPr lvl="3"/>
             <a:r>
-              <a:rPr lang="zh-CN" altLang="en-US" smtClean="0"/>
+              <a:rPr lang="zh-CN" altLang="en-US"/>
               <a:t>第四级</a:t>
             </a:r>
           </a:p>
           <a:p>
             <a:pPr lvl="4"/>
             <a:r>
-              <a:rPr lang="zh-CN" altLang="en-US" smtClean="0"/>
+              <a:rPr lang="zh-CN" altLang="en-US"/>
               <a:t>第五级</a:t>
             </a:r>
-            <a:endParaRPr lang="zh-CN" altLang="en-US"/>
           </a:p>
         </p:txBody>
       </p:sp>
@@ -1555,7 +1575,7 @@
           <a:p>
             <a:pPr lvl="0"/>
             <a:r>
-              <a:rPr lang="zh-CN" altLang="en-US" smtClean="0"/>
+              <a:rPr lang="zh-CN" altLang="en-US"/>
               <a:t>单击此处编辑母版文本样式</a:t>
             </a:r>
           </a:p>
@@ -1619,10 +1639,9 @@
           </a:lstStyle>
           <a:p>
             <a:r>
-              <a:rPr lang="zh-CN" altLang="en-US" smtClean="0"/>
+              <a:rPr lang="zh-CN" altLang="en-US"/>
               <a:t>单击此处编辑母版标题样式</a:t>
             </a:r>
-            <a:endParaRPr lang="zh-CN" altLang="en-US"/>
           </a:p>
         </p:txBody>
       </p:sp>
@@ -1684,7 +1703,7 @@
           </a:lstStyle>
           <a:p>
             <a:pPr lvl="0"/>
-            <a:endParaRPr lang="zh-CN" altLang="en-US" noProof="0" smtClean="0"/>
+            <a:endParaRPr lang="zh-CN" altLang="en-US" noProof="0"/>
           </a:p>
         </p:txBody>
       </p:sp>
@@ -1747,7 +1766,7 @@
           <a:p>
             <a:pPr lvl="0"/>
             <a:r>
-              <a:rPr lang="zh-CN" altLang="en-US" smtClean="0"/>
+              <a:rPr lang="zh-CN" altLang="en-US"/>
               <a:t>单击此处编辑母版文本样式</a:t>
             </a:r>
           </a:p>
@@ -1775,7 +1794,7 @@
     <p:bg>
       <p:bgPr>
         <a:blipFill dpi="0" rotWithShape="0">
-          <a:blip r:embed="rId15"/>
+          <a:blip r:embed="rId14"/>
           <a:srcRect/>
           <a:stretch>
             <a:fillRect/>
@@ -1861,7 +1880,7 @@
           <a:p>
             <a:pPr lvl="0"/>
             <a:r>
-              <a:rPr lang="en-US" altLang="zh-CN" smtClean="0"/>
+              <a:rPr lang="en-US" altLang="zh-CN"/>
               <a:t>Click to edit Title Slide</a:t>
             </a:r>
           </a:p>
@@ -1930,35 +1949,35 @@
           <a:p>
             <a:pPr lvl="0"/>
             <a:r>
-              <a:rPr lang="en-US" altLang="zh-CN" smtClean="0"/>
+              <a:rPr lang="en-US" altLang="zh-CN"/>
               <a:t>Click to edit Master text styles</a:t>
             </a:r>
           </a:p>
           <a:p>
             <a:pPr lvl="1"/>
             <a:r>
-              <a:rPr lang="en-US" altLang="zh-CN" smtClean="0"/>
+              <a:rPr lang="en-US" altLang="zh-CN"/>
               <a:t>Second level</a:t>
             </a:r>
           </a:p>
           <a:p>
             <a:pPr lvl="2"/>
             <a:r>
-              <a:rPr lang="en-US" altLang="zh-CN" smtClean="0"/>
+              <a:rPr lang="en-US" altLang="zh-CN"/>
               <a:t>Third level</a:t>
             </a:r>
           </a:p>
           <a:p>
             <a:pPr lvl="3"/>
             <a:r>
-              <a:rPr lang="en-US" altLang="zh-CN" smtClean="0"/>
+              <a:rPr lang="en-US" altLang="zh-CN"/>
               <a:t>Fourth level</a:t>
             </a:r>
           </a:p>
           <a:p>
             <a:pPr lvl="4"/>
             <a:r>
-              <a:rPr lang="en-US" altLang="zh-CN" smtClean="0"/>
+              <a:rPr lang="en-US" altLang="zh-CN"/>
               <a:t>Fifth level</a:t>
             </a:r>
           </a:p>
@@ -2145,7 +2164,7 @@
               <a:tabLst/>
               <a:defRPr/>
             </a:pPr>
-            <a:endParaRPr kumimoji="0" lang="zh-CN" altLang="zh-CN" sz="1800" b="0" i="0" u="none" strike="noStrike" kern="1200" cap="none" spc="0" normalizeH="0" baseline="0" noProof="0" smtClean="0">
+            <a:endParaRPr kumimoji="0" lang="zh-CN" altLang="zh-CN" sz="1800" b="0" i="0" u="none" strike="noStrike" kern="1200" cap="none" spc="0" normalizeH="0" baseline="0" noProof="0">
               <a:ln>
                 <a:noFill/>
               </a:ln>
@@ -2178,12 +2197,12 @@
           <a:graphicData uri="http://schemas.openxmlformats.org/presentationml/2006/ole">
             <mc:AlternateContent xmlns:mc="http://schemas.openxmlformats.org/markup-compatibility/2006">
               <mc:Choice xmlns:v="urn:schemas-microsoft-com:vml" Requires="v">
-                <p:oleObj spid="_x0000_s1029" name="位图图像" r:id="rId16" imgW="838095" imgH="647619" progId="Paint.Picture">
+                <p:oleObj name="位图图像" r:id="rId15" imgW="838095" imgH="647619" progId="Paint.Picture">
                   <p:embed/>
                 </p:oleObj>
               </mc:Choice>
               <mc:Fallback>
-                <p:oleObj name="位图图像" r:id="rId16" imgW="838095" imgH="647619" progId="Paint.Picture">
+                <p:oleObj name="位图图像" r:id="rId15" imgW="838095" imgH="647619" progId="Paint.Picture">
                   <p:embed/>
                   <p:pic>
                     <p:nvPicPr>
@@ -2194,7 +2213,7 @@
                       <p:nvPr/>
                     </p:nvPicPr>
                     <p:blipFill>
-                      <a:blip r:embed="rId17">
+                      <a:blip r:embed="rId16">
                         <a:extLst>
                           <a:ext uri="{28A0092B-C50C-407E-A947-70E740481C1C}">
                             <a14:useLocalDpi xmlns:a14="http://schemas.microsoft.com/office/drawing/2010/main" val="0"/>
@@ -2270,13 +2289,6 @@
   <p:transition>
     <p:fade/>
   </p:transition>
-  <p:timing>
-    <p:tnLst>
-      <p:par>
-        <p:cTn id="1" dur="indefinite" restart="never" nodeType="tmRoot"/>
-      </p:par>
-    </p:tnLst>
-  </p:timing>
   <p:txStyles>
     <p:titleStyle>
       <a:lvl1pPr algn="l" rtl="0" eaLnBrk="0" fontAlgn="base" hangingPunct="0">
@@ -2497,7 +2509,7 @@
         <a:buSzPct val="95000"/>
         <a:buFont typeface="Wingdings" panose="05000000000000000000" pitchFamily="2" charset="2"/>
         <a:buBlip>
-          <a:blip r:embed="rId18"/>
+          <a:blip r:embed="rId17"/>
         </a:buBlip>
         <a:defRPr sz="3200" kern="1200">
           <a:solidFill>
@@ -2529,7 +2541,7 @@
         <a:buSzPct val="95000"/>
         <a:buFont typeface="Wingdings" panose="05000000000000000000" pitchFamily="2" charset="2"/>
         <a:buBlip>
-          <a:blip r:embed="rId18"/>
+          <a:blip r:embed="rId17"/>
         </a:buBlip>
         <a:defRPr sz="2800" kern="1200">
           <a:solidFill>
@@ -2561,7 +2573,7 @@
         <a:buSzPct val="95000"/>
         <a:buFont typeface="Wingdings" panose="05000000000000000000" pitchFamily="2" charset="2"/>
         <a:buBlip>
-          <a:blip r:embed="rId18"/>
+          <a:blip r:embed="rId17"/>
         </a:buBlip>
         <a:defRPr sz="2400" kern="1200">
           <a:solidFill>
@@ -2593,7 +2605,7 @@
         <a:buSzPct val="95000"/>
         <a:buFont typeface="Wingdings" panose="05000000000000000000" pitchFamily="2" charset="2"/>
         <a:buBlip>
-          <a:blip r:embed="rId18"/>
+          <a:blip r:embed="rId17"/>
         </a:buBlip>
         <a:defRPr sz="2000" kern="1200">
           <a:solidFill>
@@ -2625,7 +2637,7 @@
         <a:buSzPct val="95000"/>
         <a:buFont typeface="Wingdings" panose="05000000000000000000" pitchFamily="2" charset="2"/>
         <a:buBlip>
-          <a:blip r:embed="rId18"/>
+          <a:blip r:embed="rId17"/>
         </a:buBlip>
         <a:defRPr sz="2000" kern="1200">
           <a:solidFill>
@@ -2887,7 +2899,7 @@
               <a:defRPr/>
             </a:pPr>
             <a:r>
-              <a:rPr lang="zh-CN" altLang="en-US" sz="3600" b="1" dirty="0" smtClean="0">
+              <a:rPr lang="zh-CN" altLang="en-US" sz="3600" b="1" dirty="0">
                 <a:solidFill>
                   <a:srgbClr val="FF9900">
                     <a:lumMod val="50000"/>
@@ -2904,7 +2916,7 @@
               <a:t>附加</a:t>
             </a:r>
             <a:r>
-              <a:rPr lang="zh-CN" altLang="en-US" sz="3600" b="1" dirty="0" smtClean="0">
+              <a:rPr lang="zh-CN" altLang="en-US" sz="3600" b="1" dirty="0">
                 <a:solidFill>
                   <a:srgbClr val="FF9900">
                     <a:lumMod val="50000"/>
@@ -2920,7 +2932,7 @@
               <a:t>实验 </a:t>
             </a:r>
             <a:r>
-              <a:rPr lang="en-US" altLang="zh-CN" sz="3600" b="1" dirty="0" smtClean="0">
+              <a:rPr lang="en-US" altLang="zh-CN" sz="3600" b="1" dirty="0">
                 <a:solidFill>
                   <a:srgbClr val="FF9900">
                     <a:lumMod val="50000"/>
@@ -5396,7 +5408,7 @@
               </a:spcAft>
             </a:pPr>
             <a:r>
-              <a:rPr lang="en-US" altLang="zh-CN" sz="1600">
+              <a:rPr lang="en-US" altLang="zh-CN" sz="1600" dirty="0">
                 <a:solidFill>
                   <a:srgbClr val="000000"/>
                 </a:solidFill>
@@ -5415,16 +5427,34 @@
               </a:spcAft>
             </a:pPr>
             <a:r>
-              <a:rPr lang="en-US" altLang="zh-CN" sz="1600">
-                <a:solidFill>
-                  <a:srgbClr val="000000"/>
-                </a:solidFill>
-                <a:latin typeface="宋体" panose="02010600030101010101" pitchFamily="2" charset="-122"/>
-              </a:rPr>
-              <a:t>	unsigned long  st_dev;	// </a:t>
-            </a:r>
-            <a:r>
-              <a:rPr lang="zh-CN" altLang="en-US" sz="1600">
+              <a:rPr lang="en-US" altLang="zh-CN" sz="1600" dirty="0">
+                <a:solidFill>
+                  <a:srgbClr val="000000"/>
+                </a:solidFill>
+                <a:latin typeface="宋体" panose="02010600030101010101" pitchFamily="2" charset="-122"/>
+              </a:rPr>
+              <a:t>	unsigned long  </a:t>
+            </a:r>
+            <a:r>
+              <a:rPr lang="en-US" altLang="zh-CN" sz="1600" dirty="0" err="1">
+                <a:solidFill>
+                  <a:srgbClr val="000000"/>
+                </a:solidFill>
+                <a:latin typeface="宋体" panose="02010600030101010101" pitchFamily="2" charset="-122"/>
+              </a:rPr>
+              <a:t>st_dev</a:t>
+            </a:r>
+            <a:r>
+              <a:rPr lang="en-US" altLang="zh-CN" sz="1600" dirty="0">
+                <a:solidFill>
+                  <a:srgbClr val="000000"/>
+                </a:solidFill>
+                <a:latin typeface="宋体" panose="02010600030101010101" pitchFamily="2" charset="-122"/>
+              </a:rPr>
+              <a:t>;	// </a:t>
+            </a:r>
+            <a:r>
+              <a:rPr lang="zh-CN" altLang="en-US" sz="1600" dirty="0">
                 <a:solidFill>
                   <a:srgbClr val="4138FA"/>
                 </a:solidFill>
@@ -5432,17 +5462,8 @@
               </a:rPr>
               <a:t>文件所属的设备 </a:t>
             </a:r>
-            <a:r>
-              <a:rPr lang="en-US" altLang="zh-CN" sz="1600">
-                <a:solidFill>
-                  <a:srgbClr val="000000"/>
-                </a:solidFill>
-                <a:latin typeface="宋体" panose="02010600030101010101" pitchFamily="2" charset="-122"/>
-              </a:rPr>
-              <a:t/>
-            </a:r>
             <a:br>
-              <a:rPr lang="en-US" altLang="zh-CN" sz="1600">
+              <a:rPr lang="en-US" altLang="zh-CN" sz="1600" dirty="0">
                 <a:solidFill>
                   <a:srgbClr val="000000"/>
                 </a:solidFill>
@@ -5450,16 +5471,34 @@
               </a:rPr>
             </a:br>
             <a:r>
-              <a:rPr lang="en-US" altLang="zh-CN" sz="1600">
-                <a:solidFill>
-                  <a:srgbClr val="000000"/>
-                </a:solidFill>
-                <a:latin typeface="宋体" panose="02010600030101010101" pitchFamily="2" charset="-122"/>
-              </a:rPr>
-              <a:t>	unsigned long  st_ino;	// </a:t>
-            </a:r>
-            <a:r>
-              <a:rPr lang="zh-CN" altLang="en-US" sz="1600">
+              <a:rPr lang="en-US" altLang="zh-CN" sz="1600" dirty="0">
+                <a:solidFill>
+                  <a:srgbClr val="000000"/>
+                </a:solidFill>
+                <a:latin typeface="宋体" panose="02010600030101010101" pitchFamily="2" charset="-122"/>
+              </a:rPr>
+              <a:t>	unsigned long  </a:t>
+            </a:r>
+            <a:r>
+              <a:rPr lang="en-US" altLang="zh-CN" sz="1600" dirty="0" err="1">
+                <a:solidFill>
+                  <a:srgbClr val="000000"/>
+                </a:solidFill>
+                <a:latin typeface="宋体" panose="02010600030101010101" pitchFamily="2" charset="-122"/>
+              </a:rPr>
+              <a:t>st_ino</a:t>
+            </a:r>
+            <a:r>
+              <a:rPr lang="en-US" altLang="zh-CN" sz="1600" dirty="0">
+                <a:solidFill>
+                  <a:srgbClr val="000000"/>
+                </a:solidFill>
+                <a:latin typeface="宋体" panose="02010600030101010101" pitchFamily="2" charset="-122"/>
+              </a:rPr>
+              <a:t>;	// </a:t>
+            </a:r>
+            <a:r>
+              <a:rPr lang="zh-CN" altLang="en-US" sz="1600" dirty="0">
                 <a:solidFill>
                   <a:srgbClr val="4138FA"/>
                 </a:solidFill>
@@ -5468,15 +5507,24 @@
               <a:t>文件相关的</a:t>
             </a:r>
             <a:r>
-              <a:rPr lang="en-US" altLang="zh-CN" sz="1600">
+              <a:rPr lang="en-US" altLang="zh-CN" sz="1600" dirty="0" err="1">
                 <a:solidFill>
                   <a:srgbClr val="4138FA"/>
                 </a:solidFill>
                 <a:latin typeface="宋体" panose="02010600030101010101" pitchFamily="2" charset="-122"/>
               </a:rPr>
-              <a:t>inode </a:t>
-            </a:r>
-            <a:endParaRPr lang="en-US" altLang="zh-CN" sz="1600">
+              <a:t>inode</a:t>
+            </a:r>
+            <a:r>
+              <a:rPr lang="en-US" altLang="zh-CN" sz="1600" dirty="0">
+                <a:solidFill>
+                  <a:srgbClr val="4138FA"/>
+                </a:solidFill>
+                <a:latin typeface="宋体" panose="02010600030101010101" pitchFamily="2" charset="-122"/>
+              </a:rPr>
+              <a:t> </a:t>
+            </a:r>
+            <a:endParaRPr lang="en-US" altLang="zh-CN" sz="1600" dirty="0">
               <a:solidFill>
                 <a:srgbClr val="000000"/>
               </a:solidFill>
@@ -5493,16 +5541,34 @@
               </a:spcAft>
             </a:pPr>
             <a:r>
-              <a:rPr lang="en-US" altLang="zh-CN" sz="1600">
-                <a:solidFill>
-                  <a:srgbClr val="000000"/>
-                </a:solidFill>
-                <a:latin typeface="宋体" panose="02010600030101010101" pitchFamily="2" charset="-122"/>
-              </a:rPr>
-              <a:t>	unsigned short st_mode;	// </a:t>
-            </a:r>
-            <a:r>
-              <a:rPr lang="zh-CN" altLang="en-US" sz="1600">
+              <a:rPr lang="en-US" altLang="zh-CN" sz="1600" dirty="0">
+                <a:solidFill>
+                  <a:srgbClr val="000000"/>
+                </a:solidFill>
+                <a:latin typeface="宋体" panose="02010600030101010101" pitchFamily="2" charset="-122"/>
+              </a:rPr>
+              <a:t>	unsigned short </a:t>
+            </a:r>
+            <a:r>
+              <a:rPr lang="en-US" altLang="zh-CN" sz="1600" dirty="0" err="1">
+                <a:solidFill>
+                  <a:srgbClr val="000000"/>
+                </a:solidFill>
+                <a:latin typeface="宋体" panose="02010600030101010101" pitchFamily="2" charset="-122"/>
+              </a:rPr>
+              <a:t>st_mode</a:t>
+            </a:r>
+            <a:r>
+              <a:rPr lang="en-US" altLang="zh-CN" sz="1600" dirty="0">
+                <a:solidFill>
+                  <a:srgbClr val="000000"/>
+                </a:solidFill>
+                <a:latin typeface="宋体" panose="02010600030101010101" pitchFamily="2" charset="-122"/>
+              </a:rPr>
+              <a:t>;	// </a:t>
+            </a:r>
+            <a:r>
+              <a:rPr lang="zh-CN" altLang="en-US" sz="1600" dirty="0">
                 <a:solidFill>
                   <a:srgbClr val="4138FA"/>
                 </a:solidFill>
@@ -5511,7 +5577,7 @@
               <a:t>文件的权限信息和类型信息</a:t>
             </a:r>
             <a:r>
-              <a:rPr lang="en-US" altLang="zh-CN" sz="1600">
+              <a:rPr lang="en-US" altLang="zh-CN" sz="1600" dirty="0">
                 <a:solidFill>
                   <a:srgbClr val="4138FA"/>
                 </a:solidFill>
@@ -5520,7 +5586,7 @@
               <a:t>: </a:t>
             </a:r>
             <a:br>
-              <a:rPr lang="en-US" altLang="zh-CN" sz="1600">
+              <a:rPr lang="en-US" altLang="zh-CN" sz="1600" dirty="0">
                 <a:solidFill>
                   <a:srgbClr val="4138FA"/>
                 </a:solidFill>
@@ -5528,7 +5594,7 @@
               </a:rPr>
             </a:br>
             <a:r>
-              <a:rPr lang="en-US" altLang="zh-CN" sz="1600">
+              <a:rPr lang="en-US" altLang="zh-CN" sz="1600" dirty="0">
                 <a:solidFill>
                   <a:srgbClr val="4138FA"/>
                 </a:solidFill>
@@ -5536,17 +5602,8 @@
               </a:rPr>
               <a:t>					S_IFDIR, S_IFBLK, S_IFIFO, S_IFLINK</a:t>
             </a:r>
-            <a:r>
-              <a:rPr lang="en-US" altLang="zh-CN" sz="1600">
-                <a:solidFill>
-                  <a:srgbClr val="000000"/>
-                </a:solidFill>
-                <a:latin typeface="宋体" panose="02010600030101010101" pitchFamily="2" charset="-122"/>
-              </a:rPr>
-              <a:t/>
-            </a:r>
             <a:br>
-              <a:rPr lang="en-US" altLang="zh-CN" sz="1600">
+              <a:rPr lang="en-US" altLang="zh-CN" sz="1600" dirty="0">
                 <a:solidFill>
                   <a:srgbClr val="000000"/>
                 </a:solidFill>
@@ -5554,16 +5611,34 @@
               </a:rPr>
             </a:br>
             <a:r>
-              <a:rPr lang="en-US" altLang="zh-CN" sz="1600">
-                <a:solidFill>
-                  <a:srgbClr val="000000"/>
-                </a:solidFill>
-                <a:latin typeface="宋体" panose="02010600030101010101" pitchFamily="2" charset="-122"/>
-              </a:rPr>
-              <a:t>	unsigned short st_nlink;	//</a:t>
-            </a:r>
-            <a:r>
-              <a:rPr lang="zh-CN" altLang="en-US" sz="1600">
+              <a:rPr lang="en-US" altLang="zh-CN" sz="1600" dirty="0">
+                <a:solidFill>
+                  <a:srgbClr val="000000"/>
+                </a:solidFill>
+                <a:latin typeface="宋体" panose="02010600030101010101" pitchFamily="2" charset="-122"/>
+              </a:rPr>
+              <a:t>	unsigned short </a:t>
+            </a:r>
+            <a:r>
+              <a:rPr lang="en-US" altLang="zh-CN" sz="1600" dirty="0" err="1">
+                <a:solidFill>
+                  <a:srgbClr val="000000"/>
+                </a:solidFill>
+                <a:latin typeface="宋体" panose="02010600030101010101" pitchFamily="2" charset="-122"/>
+              </a:rPr>
+              <a:t>st_nlink</a:t>
+            </a:r>
+            <a:r>
+              <a:rPr lang="en-US" altLang="zh-CN" sz="1600" dirty="0">
+                <a:solidFill>
+                  <a:srgbClr val="000000"/>
+                </a:solidFill>
+                <a:latin typeface="宋体" panose="02010600030101010101" pitchFamily="2" charset="-122"/>
+              </a:rPr>
+              <a:t>;	//</a:t>
+            </a:r>
+            <a:r>
+              <a:rPr lang="zh-CN" altLang="en-US" sz="1600" dirty="0">
                 <a:solidFill>
                   <a:srgbClr val="4138FA"/>
                 </a:solidFill>
@@ -5571,17 +5646,8 @@
               </a:rPr>
               <a:t>硬连接的数目</a:t>
             </a:r>
-            <a:r>
-              <a:rPr lang="en-US" altLang="zh-CN" sz="1600">
-                <a:solidFill>
-                  <a:srgbClr val="000000"/>
-                </a:solidFill>
-                <a:latin typeface="宋体" panose="02010600030101010101" pitchFamily="2" charset="-122"/>
-              </a:rPr>
-              <a:t/>
-            </a:r>
             <a:br>
-              <a:rPr lang="en-US" altLang="zh-CN" sz="1600">
+              <a:rPr lang="en-US" altLang="zh-CN" sz="1600" dirty="0">
                 <a:solidFill>
                   <a:srgbClr val="000000"/>
                 </a:solidFill>
@@ -5589,16 +5655,34 @@
               </a:rPr>
             </a:br>
             <a:r>
-              <a:rPr lang="en-US" altLang="zh-CN" sz="1600">
-                <a:solidFill>
-                  <a:srgbClr val="000000"/>
-                </a:solidFill>
-                <a:latin typeface="宋体" panose="02010600030101010101" pitchFamily="2" charset="-122"/>
-              </a:rPr>
-              <a:t>	unsigned short st_uid;	// </a:t>
-            </a:r>
-            <a:r>
-              <a:rPr lang="zh-CN" altLang="en-US" sz="1600">
+              <a:rPr lang="en-US" altLang="zh-CN" sz="1600" dirty="0">
+                <a:solidFill>
+                  <a:srgbClr val="000000"/>
+                </a:solidFill>
+                <a:latin typeface="宋体" panose="02010600030101010101" pitchFamily="2" charset="-122"/>
+              </a:rPr>
+              <a:t>	unsigned short </a:t>
+            </a:r>
+            <a:r>
+              <a:rPr lang="en-US" altLang="zh-CN" sz="1600" dirty="0" err="1">
+                <a:solidFill>
+                  <a:srgbClr val="000000"/>
+                </a:solidFill>
+                <a:latin typeface="宋体" panose="02010600030101010101" pitchFamily="2" charset="-122"/>
+              </a:rPr>
+              <a:t>st_uid</a:t>
+            </a:r>
+            <a:r>
+              <a:rPr lang="en-US" altLang="zh-CN" sz="1600" dirty="0">
+                <a:solidFill>
+                  <a:srgbClr val="000000"/>
+                </a:solidFill>
+                <a:latin typeface="宋体" panose="02010600030101010101" pitchFamily="2" charset="-122"/>
+              </a:rPr>
+              <a:t>;	// </a:t>
+            </a:r>
+            <a:r>
+              <a:rPr lang="zh-CN" altLang="en-US" sz="1600" dirty="0">
                 <a:solidFill>
                   <a:srgbClr val="4138FA"/>
                 </a:solidFill>
@@ -5607,7 +5691,7 @@
               <a:t>文件所有者的</a:t>
             </a:r>
             <a:r>
-              <a:rPr lang="en-US" altLang="zh-CN" sz="1600">
+              <a:rPr lang="en-US" altLang="zh-CN" sz="1600" dirty="0">
                 <a:solidFill>
                   <a:srgbClr val="4138FA"/>
                 </a:solidFill>
@@ -5615,17 +5699,8 @@
               </a:rPr>
               <a:t>ID </a:t>
             </a:r>
-            <a:r>
-              <a:rPr lang="en-US" altLang="zh-CN" sz="1600">
-                <a:solidFill>
-                  <a:srgbClr val="000000"/>
-                </a:solidFill>
-                <a:latin typeface="宋体" panose="02010600030101010101" pitchFamily="2" charset="-122"/>
-              </a:rPr>
-              <a:t/>
-            </a:r>
             <a:br>
-              <a:rPr lang="en-US" altLang="zh-CN" sz="1600">
+              <a:rPr lang="en-US" altLang="zh-CN" sz="1600" dirty="0">
                 <a:solidFill>
                   <a:srgbClr val="000000"/>
                 </a:solidFill>
@@ -5633,16 +5708,34 @@
               </a:rPr>
             </a:br>
             <a:r>
-              <a:rPr lang="en-US" altLang="zh-CN" sz="1600">
-                <a:solidFill>
-                  <a:srgbClr val="000000"/>
-                </a:solidFill>
-                <a:latin typeface="宋体" panose="02010600030101010101" pitchFamily="2" charset="-122"/>
-              </a:rPr>
-              <a:t>	unsigned short st_gid;	//</a:t>
-            </a:r>
-            <a:r>
-              <a:rPr lang="zh-CN" altLang="en-US" sz="1600">
+              <a:rPr lang="en-US" altLang="zh-CN" sz="1600" dirty="0">
+                <a:solidFill>
+                  <a:srgbClr val="000000"/>
+                </a:solidFill>
+                <a:latin typeface="宋体" panose="02010600030101010101" pitchFamily="2" charset="-122"/>
+              </a:rPr>
+              <a:t>	unsigned short </a:t>
+            </a:r>
+            <a:r>
+              <a:rPr lang="en-US" altLang="zh-CN" sz="1600" dirty="0" err="1">
+                <a:solidFill>
+                  <a:srgbClr val="000000"/>
+                </a:solidFill>
+                <a:latin typeface="宋体" panose="02010600030101010101" pitchFamily="2" charset="-122"/>
+              </a:rPr>
+              <a:t>st_gid</a:t>
+            </a:r>
+            <a:r>
+              <a:rPr lang="en-US" altLang="zh-CN" sz="1600" dirty="0">
+                <a:solidFill>
+                  <a:srgbClr val="000000"/>
+                </a:solidFill>
+                <a:latin typeface="宋体" panose="02010600030101010101" pitchFamily="2" charset="-122"/>
+              </a:rPr>
+              <a:t>;	//</a:t>
+            </a:r>
+            <a:r>
+              <a:rPr lang="zh-CN" altLang="en-US" sz="1600" dirty="0">
                 <a:solidFill>
                   <a:srgbClr val="4138FA"/>
                 </a:solidFill>
@@ -5651,7 +5744,7 @@
               <a:t>文件所有者的组</a:t>
             </a:r>
             <a:r>
-              <a:rPr lang="en-US" altLang="zh-CN" sz="1600">
+              <a:rPr lang="en-US" altLang="zh-CN" sz="1600" dirty="0">
                 <a:solidFill>
                   <a:srgbClr val="4138FA"/>
                 </a:solidFill>
@@ -5659,17 +5752,8 @@
               </a:rPr>
               <a:t>ID </a:t>
             </a:r>
-            <a:r>
-              <a:rPr lang="en-US" altLang="zh-CN" sz="1600">
-                <a:solidFill>
-                  <a:srgbClr val="000000"/>
-                </a:solidFill>
-                <a:latin typeface="宋体" panose="02010600030101010101" pitchFamily="2" charset="-122"/>
-              </a:rPr>
-              <a:t/>
-            </a:r>
             <a:br>
-              <a:rPr lang="en-US" altLang="zh-CN" sz="1600">
+              <a:rPr lang="en-US" altLang="zh-CN" sz="1600" dirty="0">
                 <a:solidFill>
                   <a:srgbClr val="000000"/>
                 </a:solidFill>
@@ -5677,16 +5761,34 @@
               </a:rPr>
             </a:br>
             <a:r>
-              <a:rPr lang="en-US" altLang="zh-CN" sz="1600">
-                <a:solidFill>
-                  <a:srgbClr val="000000"/>
-                </a:solidFill>
-                <a:latin typeface="宋体" panose="02010600030101010101" pitchFamily="2" charset="-122"/>
-              </a:rPr>
-              <a:t>	unsigned long  st_rdev;	//</a:t>
-            </a:r>
-            <a:r>
-              <a:rPr lang="zh-CN" altLang="en-US" sz="1600">
+              <a:rPr lang="en-US" altLang="zh-CN" sz="1600" dirty="0">
+                <a:solidFill>
+                  <a:srgbClr val="000000"/>
+                </a:solidFill>
+                <a:latin typeface="宋体" panose="02010600030101010101" pitchFamily="2" charset="-122"/>
+              </a:rPr>
+              <a:t>	unsigned long  </a:t>
+            </a:r>
+            <a:r>
+              <a:rPr lang="en-US" altLang="zh-CN" sz="1600" dirty="0" err="1">
+                <a:solidFill>
+                  <a:srgbClr val="000000"/>
+                </a:solidFill>
+                <a:latin typeface="宋体" panose="02010600030101010101" pitchFamily="2" charset="-122"/>
+              </a:rPr>
+              <a:t>st_rdev</a:t>
+            </a:r>
+            <a:r>
+              <a:rPr lang="en-US" altLang="zh-CN" sz="1600" dirty="0">
+                <a:solidFill>
+                  <a:srgbClr val="000000"/>
+                </a:solidFill>
+                <a:latin typeface="宋体" panose="02010600030101010101" pitchFamily="2" charset="-122"/>
+              </a:rPr>
+              <a:t>;	//</a:t>
+            </a:r>
+            <a:r>
+              <a:rPr lang="zh-CN" altLang="en-US" sz="1600" dirty="0">
                 <a:solidFill>
                   <a:srgbClr val="4138FA"/>
                 </a:solidFill>
@@ -5694,17 +5796,8 @@
               </a:rPr>
               <a:t>设备类型</a:t>
             </a:r>
-            <a:r>
-              <a:rPr lang="en-US" altLang="zh-CN" sz="1600">
-                <a:solidFill>
-                  <a:srgbClr val="000000"/>
-                </a:solidFill>
-                <a:latin typeface="宋体" panose="02010600030101010101" pitchFamily="2" charset="-122"/>
-              </a:rPr>
-              <a:t/>
-            </a:r>
             <a:br>
-              <a:rPr lang="en-US" altLang="zh-CN" sz="1600">
+              <a:rPr lang="en-US" altLang="zh-CN" sz="1600" dirty="0">
                 <a:solidFill>
                   <a:srgbClr val="000000"/>
                 </a:solidFill>
@@ -5712,16 +5805,34 @@
               </a:rPr>
             </a:br>
             <a:r>
-              <a:rPr lang="en-US" altLang="zh-CN" sz="1600">
-                <a:solidFill>
-                  <a:srgbClr val="000000"/>
-                </a:solidFill>
-                <a:latin typeface="宋体" panose="02010600030101010101" pitchFamily="2" charset="-122"/>
-              </a:rPr>
-              <a:t>	unsigned long  st_size;	//</a:t>
-            </a:r>
-            <a:r>
-              <a:rPr lang="zh-CN" altLang="en-US" sz="1600">
+              <a:rPr lang="en-US" altLang="zh-CN" sz="1600" dirty="0">
+                <a:solidFill>
+                  <a:srgbClr val="000000"/>
+                </a:solidFill>
+                <a:latin typeface="宋体" panose="02010600030101010101" pitchFamily="2" charset="-122"/>
+              </a:rPr>
+              <a:t>	unsigned long  </a:t>
+            </a:r>
+            <a:r>
+              <a:rPr lang="en-US" altLang="zh-CN" sz="1600" dirty="0" err="1">
+                <a:solidFill>
+                  <a:srgbClr val="000000"/>
+                </a:solidFill>
+                <a:latin typeface="宋体" panose="02010600030101010101" pitchFamily="2" charset="-122"/>
+              </a:rPr>
+              <a:t>st_size</a:t>
+            </a:r>
+            <a:r>
+              <a:rPr lang="en-US" altLang="zh-CN" sz="1600" dirty="0">
+                <a:solidFill>
+                  <a:srgbClr val="000000"/>
+                </a:solidFill>
+                <a:latin typeface="宋体" panose="02010600030101010101" pitchFamily="2" charset="-122"/>
+              </a:rPr>
+              <a:t>;	//</a:t>
+            </a:r>
+            <a:r>
+              <a:rPr lang="zh-CN" altLang="en-US" sz="1600" dirty="0">
                 <a:solidFill>
                   <a:srgbClr val="4138FA"/>
                 </a:solidFill>
@@ -5729,17 +5840,8 @@
               </a:rPr>
               <a:t>文件大小</a:t>
             </a:r>
-            <a:r>
-              <a:rPr lang="en-US" altLang="zh-CN" sz="1600">
-                <a:solidFill>
-                  <a:srgbClr val="000000"/>
-                </a:solidFill>
-                <a:latin typeface="宋体" panose="02010600030101010101" pitchFamily="2" charset="-122"/>
-              </a:rPr>
-              <a:t/>
-            </a:r>
             <a:br>
-              <a:rPr lang="en-US" altLang="zh-CN" sz="1600">
+              <a:rPr lang="en-US" altLang="zh-CN" sz="1600" dirty="0">
                 <a:solidFill>
                   <a:srgbClr val="000000"/>
                 </a:solidFill>
@@ -5747,16 +5849,34 @@
               </a:rPr>
             </a:br>
             <a:r>
-              <a:rPr lang="en-US" altLang="zh-CN" sz="1600">
-                <a:solidFill>
-                  <a:srgbClr val="000000"/>
-                </a:solidFill>
-                <a:latin typeface="宋体" panose="02010600030101010101" pitchFamily="2" charset="-122"/>
-              </a:rPr>
-              <a:t>	unsigned long  st_blksize;	//</a:t>
-            </a:r>
-            <a:r>
-              <a:rPr lang="zh-CN" altLang="en-US" sz="1600">
+              <a:rPr lang="en-US" altLang="zh-CN" sz="1600" dirty="0">
+                <a:solidFill>
+                  <a:srgbClr val="000000"/>
+                </a:solidFill>
+                <a:latin typeface="宋体" panose="02010600030101010101" pitchFamily="2" charset="-122"/>
+              </a:rPr>
+              <a:t>	unsigned long  </a:t>
+            </a:r>
+            <a:r>
+              <a:rPr lang="en-US" altLang="zh-CN" sz="1600" dirty="0" err="1">
+                <a:solidFill>
+                  <a:srgbClr val="000000"/>
+                </a:solidFill>
+                <a:latin typeface="宋体" panose="02010600030101010101" pitchFamily="2" charset="-122"/>
+              </a:rPr>
+              <a:t>st_blksize</a:t>
+            </a:r>
+            <a:r>
+              <a:rPr lang="en-US" altLang="zh-CN" sz="1600" dirty="0">
+                <a:solidFill>
+                  <a:srgbClr val="000000"/>
+                </a:solidFill>
+                <a:latin typeface="宋体" panose="02010600030101010101" pitchFamily="2" charset="-122"/>
+              </a:rPr>
+              <a:t>;	//</a:t>
+            </a:r>
+            <a:r>
+              <a:rPr lang="zh-CN" altLang="en-US" sz="1600" dirty="0">
                 <a:solidFill>
                   <a:srgbClr val="4138FA"/>
                 </a:solidFill>
@@ -5764,17 +5884,8 @@
               </a:rPr>
               <a:t>块大小</a:t>
             </a:r>
-            <a:r>
-              <a:rPr lang="en-US" altLang="zh-CN" sz="1600">
-                <a:solidFill>
-                  <a:srgbClr val="000000"/>
-                </a:solidFill>
-                <a:latin typeface="宋体" panose="02010600030101010101" pitchFamily="2" charset="-122"/>
-              </a:rPr>
-              <a:t/>
-            </a:r>
             <a:br>
-              <a:rPr lang="en-US" altLang="zh-CN" sz="1600">
+              <a:rPr lang="en-US" altLang="zh-CN" sz="1600" dirty="0">
                 <a:solidFill>
                   <a:srgbClr val="000000"/>
                 </a:solidFill>
@@ -5782,16 +5893,34 @@
               </a:rPr>
             </a:br>
             <a:r>
-              <a:rPr lang="en-US" altLang="zh-CN" sz="1600">
-                <a:solidFill>
-                  <a:srgbClr val="000000"/>
-                </a:solidFill>
-                <a:latin typeface="宋体" panose="02010600030101010101" pitchFamily="2" charset="-122"/>
-              </a:rPr>
-              <a:t>	unsigned long  st_blocks;	//</a:t>
-            </a:r>
-            <a:r>
-              <a:rPr lang="zh-CN" altLang="en-US" sz="1600">
+              <a:rPr lang="en-US" altLang="zh-CN" sz="1600" dirty="0">
+                <a:solidFill>
+                  <a:srgbClr val="000000"/>
+                </a:solidFill>
+                <a:latin typeface="宋体" panose="02010600030101010101" pitchFamily="2" charset="-122"/>
+              </a:rPr>
+              <a:t>	unsigned long  </a:t>
+            </a:r>
+            <a:r>
+              <a:rPr lang="en-US" altLang="zh-CN" sz="1600" dirty="0" err="1">
+                <a:solidFill>
+                  <a:srgbClr val="000000"/>
+                </a:solidFill>
+                <a:latin typeface="宋体" panose="02010600030101010101" pitchFamily="2" charset="-122"/>
+              </a:rPr>
+              <a:t>st_blocks</a:t>
+            </a:r>
+            <a:r>
+              <a:rPr lang="en-US" altLang="zh-CN" sz="1600" dirty="0">
+                <a:solidFill>
+                  <a:srgbClr val="000000"/>
+                </a:solidFill>
+                <a:latin typeface="宋体" panose="02010600030101010101" pitchFamily="2" charset="-122"/>
+              </a:rPr>
+              <a:t>;	//</a:t>
+            </a:r>
+            <a:r>
+              <a:rPr lang="zh-CN" altLang="en-US" sz="1600" dirty="0">
                 <a:solidFill>
                   <a:srgbClr val="4138FA"/>
                 </a:solidFill>
@@ -5799,17 +5928,8 @@
               </a:rPr>
               <a:t>块数</a:t>
             </a:r>
-            <a:r>
-              <a:rPr lang="en-US" altLang="zh-CN" sz="1600">
-                <a:solidFill>
-                  <a:srgbClr val="000000"/>
-                </a:solidFill>
-                <a:latin typeface="宋体" panose="02010600030101010101" pitchFamily="2" charset="-122"/>
-              </a:rPr>
-              <a:t/>
-            </a:r>
             <a:br>
-              <a:rPr lang="en-US" altLang="zh-CN" sz="1600">
+              <a:rPr lang="en-US" altLang="zh-CN" sz="1600" dirty="0">
                 <a:solidFill>
                   <a:srgbClr val="000000"/>
                 </a:solidFill>
@@ -5817,16 +5937,34 @@
               </a:rPr>
             </a:br>
             <a:r>
-              <a:rPr lang="en-US" altLang="zh-CN" sz="1600">
-                <a:solidFill>
-                  <a:srgbClr val="000000"/>
-                </a:solidFill>
-                <a:latin typeface="宋体" panose="02010600030101010101" pitchFamily="2" charset="-122"/>
-              </a:rPr>
-              <a:t>	unsigned long  st_atime;	// </a:t>
-            </a:r>
-            <a:r>
-              <a:rPr lang="zh-CN" altLang="en-US" sz="1600">
+              <a:rPr lang="en-US" altLang="zh-CN" sz="1600" dirty="0">
+                <a:solidFill>
+                  <a:srgbClr val="000000"/>
+                </a:solidFill>
+                <a:latin typeface="宋体" panose="02010600030101010101" pitchFamily="2" charset="-122"/>
+              </a:rPr>
+              <a:t>	unsigned long  </a:t>
+            </a:r>
+            <a:r>
+              <a:rPr lang="en-US" altLang="zh-CN" sz="1600" dirty="0" err="1">
+                <a:solidFill>
+                  <a:srgbClr val="000000"/>
+                </a:solidFill>
+                <a:latin typeface="宋体" panose="02010600030101010101" pitchFamily="2" charset="-122"/>
+              </a:rPr>
+              <a:t>st_atime</a:t>
+            </a:r>
+            <a:r>
+              <a:rPr lang="en-US" altLang="zh-CN" sz="1600" dirty="0">
+                <a:solidFill>
+                  <a:srgbClr val="000000"/>
+                </a:solidFill>
+                <a:latin typeface="宋体" panose="02010600030101010101" pitchFamily="2" charset="-122"/>
+              </a:rPr>
+              <a:t>;	// </a:t>
+            </a:r>
+            <a:r>
+              <a:rPr lang="zh-CN" altLang="en-US" sz="1600" dirty="0">
                 <a:solidFill>
                   <a:srgbClr val="4138FA"/>
                 </a:solidFill>
@@ -5834,17 +5972,8 @@
               </a:rPr>
               <a:t>文件最后访问时间 </a:t>
             </a:r>
-            <a:r>
-              <a:rPr lang="en-US" altLang="zh-CN" sz="1600">
-                <a:solidFill>
-                  <a:srgbClr val="000000"/>
-                </a:solidFill>
-                <a:latin typeface="宋体" panose="02010600030101010101" pitchFamily="2" charset="-122"/>
-              </a:rPr>
-              <a:t/>
-            </a:r>
             <a:br>
-              <a:rPr lang="en-US" altLang="zh-CN" sz="1600">
+              <a:rPr lang="en-US" altLang="zh-CN" sz="1600" dirty="0">
                 <a:solidFill>
                   <a:srgbClr val="000000"/>
                 </a:solidFill>
@@ -5852,16 +5981,34 @@
               </a:rPr>
             </a:br>
             <a:r>
-              <a:rPr lang="en-US" altLang="zh-CN" sz="1600">
-                <a:solidFill>
-                  <a:srgbClr val="000000"/>
-                </a:solidFill>
-                <a:latin typeface="宋体" panose="02010600030101010101" pitchFamily="2" charset="-122"/>
-              </a:rPr>
-              <a:t>	unsigned long  st_atime_nsec;</a:t>
+              <a:rPr lang="en-US" altLang="zh-CN" sz="1600" dirty="0">
+                <a:solidFill>
+                  <a:srgbClr val="000000"/>
+                </a:solidFill>
+                <a:latin typeface="宋体" panose="02010600030101010101" pitchFamily="2" charset="-122"/>
+              </a:rPr>
+              <a:t>	unsigned long  </a:t>
+            </a:r>
+            <a:r>
+              <a:rPr lang="en-US" altLang="zh-CN" sz="1600" dirty="0" err="1">
+                <a:solidFill>
+                  <a:srgbClr val="000000"/>
+                </a:solidFill>
+                <a:latin typeface="宋体" panose="02010600030101010101" pitchFamily="2" charset="-122"/>
+              </a:rPr>
+              <a:t>st_atime_nsec</a:t>
+            </a:r>
+            <a:r>
+              <a:rPr lang="en-US" altLang="zh-CN" sz="1600" dirty="0">
+                <a:solidFill>
+                  <a:srgbClr val="000000"/>
+                </a:solidFill>
+                <a:latin typeface="宋体" panose="02010600030101010101" pitchFamily="2" charset="-122"/>
+              </a:rPr>
+              <a:t>;</a:t>
             </a:r>
             <a:br>
-              <a:rPr lang="en-US" altLang="zh-CN" sz="1600">
+              <a:rPr lang="en-US" altLang="zh-CN" sz="1600" dirty="0">
                 <a:solidFill>
                   <a:srgbClr val="000000"/>
                 </a:solidFill>
@@ -5869,16 +6016,34 @@
               </a:rPr>
             </a:br>
             <a:r>
-              <a:rPr lang="en-US" altLang="zh-CN" sz="1600">
-                <a:solidFill>
-                  <a:srgbClr val="000000"/>
-                </a:solidFill>
-                <a:latin typeface="宋体" panose="02010600030101010101" pitchFamily="2" charset="-122"/>
-              </a:rPr>
-              <a:t>	unsigned long  st_mtime;	// </a:t>
-            </a:r>
-            <a:r>
-              <a:rPr lang="zh-CN" altLang="en-US" sz="1600">
+              <a:rPr lang="en-US" altLang="zh-CN" sz="1600" dirty="0">
+                <a:solidFill>
+                  <a:srgbClr val="000000"/>
+                </a:solidFill>
+                <a:latin typeface="宋体" panose="02010600030101010101" pitchFamily="2" charset="-122"/>
+              </a:rPr>
+              <a:t>	unsigned long  </a:t>
+            </a:r>
+            <a:r>
+              <a:rPr lang="en-US" altLang="zh-CN" sz="1600" dirty="0" err="1">
+                <a:solidFill>
+                  <a:srgbClr val="000000"/>
+                </a:solidFill>
+                <a:latin typeface="宋体" panose="02010600030101010101" pitchFamily="2" charset="-122"/>
+              </a:rPr>
+              <a:t>st_mtime</a:t>
+            </a:r>
+            <a:r>
+              <a:rPr lang="en-US" altLang="zh-CN" sz="1600" dirty="0">
+                <a:solidFill>
+                  <a:srgbClr val="000000"/>
+                </a:solidFill>
+                <a:latin typeface="宋体" panose="02010600030101010101" pitchFamily="2" charset="-122"/>
+              </a:rPr>
+              <a:t>;	// </a:t>
+            </a:r>
+            <a:r>
+              <a:rPr lang="zh-CN" altLang="en-US" sz="1600" dirty="0">
                 <a:solidFill>
                   <a:srgbClr val="4138FA"/>
                 </a:solidFill>
@@ -5886,17 +6051,8 @@
               </a:rPr>
               <a:t>最后修改内容的时间 </a:t>
             </a:r>
-            <a:r>
-              <a:rPr lang="en-US" altLang="zh-CN" sz="1600">
-                <a:solidFill>
-                  <a:srgbClr val="000000"/>
-                </a:solidFill>
-                <a:latin typeface="宋体" panose="02010600030101010101" pitchFamily="2" charset="-122"/>
-              </a:rPr>
-              <a:t/>
-            </a:r>
             <a:br>
-              <a:rPr lang="en-US" altLang="zh-CN" sz="1600">
+              <a:rPr lang="en-US" altLang="zh-CN" sz="1600" dirty="0">
                 <a:solidFill>
                   <a:srgbClr val="000000"/>
                 </a:solidFill>
@@ -5904,16 +6060,34 @@
               </a:rPr>
             </a:br>
             <a:r>
-              <a:rPr lang="en-US" altLang="zh-CN" sz="1600">
-                <a:solidFill>
-                  <a:srgbClr val="000000"/>
-                </a:solidFill>
-                <a:latin typeface="宋体" panose="02010600030101010101" pitchFamily="2" charset="-122"/>
-              </a:rPr>
-              <a:t>	unsigned long  st_mtime_nsec;</a:t>
+              <a:rPr lang="en-US" altLang="zh-CN" sz="1600" dirty="0">
+                <a:solidFill>
+                  <a:srgbClr val="000000"/>
+                </a:solidFill>
+                <a:latin typeface="宋体" panose="02010600030101010101" pitchFamily="2" charset="-122"/>
+              </a:rPr>
+              <a:t>	unsigned long  </a:t>
+            </a:r>
+            <a:r>
+              <a:rPr lang="en-US" altLang="zh-CN" sz="1600" dirty="0" err="1">
+                <a:solidFill>
+                  <a:srgbClr val="000000"/>
+                </a:solidFill>
+                <a:latin typeface="宋体" panose="02010600030101010101" pitchFamily="2" charset="-122"/>
+              </a:rPr>
+              <a:t>st_mtime_nsec</a:t>
+            </a:r>
+            <a:r>
+              <a:rPr lang="en-US" altLang="zh-CN" sz="1600" dirty="0">
+                <a:solidFill>
+                  <a:srgbClr val="000000"/>
+                </a:solidFill>
+                <a:latin typeface="宋体" panose="02010600030101010101" pitchFamily="2" charset="-122"/>
+              </a:rPr>
+              <a:t>;</a:t>
             </a:r>
             <a:br>
-              <a:rPr lang="en-US" altLang="zh-CN" sz="1600">
+              <a:rPr lang="en-US" altLang="zh-CN" sz="1600" dirty="0">
                 <a:solidFill>
                   <a:srgbClr val="000000"/>
                 </a:solidFill>
@@ -5921,16 +6095,34 @@
               </a:rPr>
             </a:br>
             <a:r>
-              <a:rPr lang="en-US" altLang="zh-CN" sz="1600">
-                <a:solidFill>
-                  <a:srgbClr val="000000"/>
-                </a:solidFill>
-                <a:latin typeface="宋体" panose="02010600030101010101" pitchFamily="2" charset="-122"/>
-              </a:rPr>
-              <a:t>	unsigned long  st_ctime;	// </a:t>
-            </a:r>
-            <a:r>
-              <a:rPr lang="zh-CN" altLang="en-US" sz="1600">
+              <a:rPr lang="en-US" altLang="zh-CN" sz="1600" dirty="0">
+                <a:solidFill>
+                  <a:srgbClr val="000000"/>
+                </a:solidFill>
+                <a:latin typeface="宋体" panose="02010600030101010101" pitchFamily="2" charset="-122"/>
+              </a:rPr>
+              <a:t>	unsigned long  </a:t>
+            </a:r>
+            <a:r>
+              <a:rPr lang="en-US" altLang="zh-CN" sz="1600" dirty="0" err="1">
+                <a:solidFill>
+                  <a:srgbClr val="000000"/>
+                </a:solidFill>
+                <a:latin typeface="宋体" panose="02010600030101010101" pitchFamily="2" charset="-122"/>
+              </a:rPr>
+              <a:t>st_ctime</a:t>
+            </a:r>
+            <a:r>
+              <a:rPr lang="en-US" altLang="zh-CN" sz="1600" dirty="0">
+                <a:solidFill>
+                  <a:srgbClr val="000000"/>
+                </a:solidFill>
+                <a:latin typeface="宋体" panose="02010600030101010101" pitchFamily="2" charset="-122"/>
+              </a:rPr>
+              <a:t>;	// </a:t>
+            </a:r>
+            <a:r>
+              <a:rPr lang="zh-CN" altLang="en-US" sz="1600" dirty="0">
                 <a:solidFill>
                   <a:srgbClr val="4138FA"/>
                 </a:solidFill>
@@ -5938,17 +6130,8 @@
               </a:rPr>
               <a:t>文件最后修改属性的时间</a:t>
             </a:r>
-            <a:r>
-              <a:rPr lang="en-US" altLang="zh-CN" sz="1600">
-                <a:solidFill>
-                  <a:srgbClr val="000000"/>
-                </a:solidFill>
-                <a:latin typeface="宋体" panose="02010600030101010101" pitchFamily="2" charset="-122"/>
-              </a:rPr>
-              <a:t/>
-            </a:r>
             <a:br>
-              <a:rPr lang="en-US" altLang="zh-CN" sz="1600">
+              <a:rPr lang="en-US" altLang="zh-CN" sz="1600" dirty="0">
                 <a:solidFill>
                   <a:srgbClr val="000000"/>
                 </a:solidFill>
@@ -5956,16 +6139,34 @@
               </a:rPr>
             </a:br>
             <a:r>
-              <a:rPr lang="en-US" altLang="zh-CN" sz="1600">
-                <a:solidFill>
-                  <a:srgbClr val="000000"/>
-                </a:solidFill>
-                <a:latin typeface="宋体" panose="02010600030101010101" pitchFamily="2" charset="-122"/>
-              </a:rPr>
-              <a:t>	unsigned long  st_ctime_nsec;	</a:t>
+              <a:rPr lang="en-US" altLang="zh-CN" sz="1600" dirty="0">
+                <a:solidFill>
+                  <a:srgbClr val="000000"/>
+                </a:solidFill>
+                <a:latin typeface="宋体" panose="02010600030101010101" pitchFamily="2" charset="-122"/>
+              </a:rPr>
+              <a:t>	unsigned long  </a:t>
+            </a:r>
+            <a:r>
+              <a:rPr lang="en-US" altLang="zh-CN" sz="1600" dirty="0" err="1">
+                <a:solidFill>
+                  <a:srgbClr val="000000"/>
+                </a:solidFill>
+                <a:latin typeface="宋体" panose="02010600030101010101" pitchFamily="2" charset="-122"/>
+              </a:rPr>
+              <a:t>st_ctime_nsec</a:t>
+            </a:r>
+            <a:r>
+              <a:rPr lang="en-US" altLang="zh-CN" sz="1600" dirty="0">
+                <a:solidFill>
+                  <a:srgbClr val="000000"/>
+                </a:solidFill>
+                <a:latin typeface="宋体" panose="02010600030101010101" pitchFamily="2" charset="-122"/>
+              </a:rPr>
+              <a:t>;	</a:t>
             </a:r>
             <a:br>
-              <a:rPr lang="en-US" altLang="zh-CN" sz="1600">
+              <a:rPr lang="en-US" altLang="zh-CN" sz="1600" dirty="0">
                 <a:solidFill>
                   <a:srgbClr val="000000"/>
                 </a:solidFill>
@@ -5973,7 +6174,7 @@
               </a:rPr>
             </a:br>
             <a:r>
-              <a:rPr lang="en-US" altLang="zh-CN" sz="1600">
+              <a:rPr lang="en-US" altLang="zh-CN" sz="1600" dirty="0">
                 <a:solidFill>
                   <a:srgbClr val="000000"/>
                 </a:solidFill>
@@ -5982,7 +6183,7 @@
               <a:t>	unsigned long  __unused4;		</a:t>
             </a:r>
             <a:br>
-              <a:rPr lang="en-US" altLang="zh-CN" sz="1600">
+              <a:rPr lang="en-US" altLang="zh-CN" sz="1600" dirty="0">
                 <a:solidFill>
                   <a:srgbClr val="000000"/>
                 </a:solidFill>
@@ -5990,7 +6191,7 @@
               </a:rPr>
             </a:br>
             <a:r>
-              <a:rPr lang="en-US" altLang="zh-CN" sz="1600">
+              <a:rPr lang="en-US" altLang="zh-CN" sz="1600" dirty="0">
                 <a:solidFill>
                   <a:srgbClr val="000000"/>
                 </a:solidFill>
@@ -6009,7 +6210,7 @@
               </a:spcAft>
             </a:pPr>
             <a:r>
-              <a:rPr lang="en-US" altLang="zh-CN" sz="1600">
+              <a:rPr lang="en-US" altLang="zh-CN" sz="1600" dirty="0">
                 <a:solidFill>
                   <a:srgbClr val="000000"/>
                 </a:solidFill>
@@ -6173,7 +6374,7 @@
         </p:nvSpPr>
         <p:spPr bwMode="auto">
           <a:xfrm>
-            <a:off x="1981200" y="731839"/>
+            <a:off x="2133600" y="770475"/>
             <a:ext cx="7924800" cy="5164137"/>
           </a:xfrm>
           <a:prstGeom prst="rect">
@@ -6863,13 +7064,6 @@
   <p:transition>
     <p:fade/>
   </p:transition>
-  <p:timing>
-    <p:tnLst>
-      <p:par>
-        <p:cTn id="1" dur="indefinite" restart="never" nodeType="tmRoot"/>
-      </p:par>
-    </p:tnLst>
-  </p:timing>
 </p:sld>
 </file>
 
@@ -7061,7 +7255,7 @@
               </a:spcAft>
             </a:pPr>
             <a:r>
-              <a:rPr lang="zh-CN" altLang="en-US" sz="3200">
+              <a:rPr lang="zh-CN" altLang="en-US" sz="3200" dirty="0">
                 <a:solidFill>
                   <a:srgbClr val="000000"/>
                 </a:solidFill>
@@ -7079,22 +7273,38 @@
               </a:spcAft>
             </a:pPr>
             <a:r>
-              <a:rPr lang="en-US" altLang="zh-CN" sz="2000">
-                <a:solidFill>
-                  <a:srgbClr val="000000"/>
-                </a:solidFill>
-              </a:rPr>
-              <a:t>struct dirent {   </a:t>
+              <a:rPr lang="en-US" altLang="zh-CN" sz="2000" dirty="0">
+                <a:solidFill>
+                  <a:srgbClr val="000000"/>
+                </a:solidFill>
+              </a:rPr>
+              <a:t>struct </a:t>
+            </a:r>
+            <a:r>
+              <a:rPr lang="en-US" altLang="zh-CN" sz="2000" dirty="0" err="1">
+                <a:solidFill>
+                  <a:srgbClr val="000000"/>
+                </a:solidFill>
+              </a:rPr>
+              <a:t>dirent</a:t>
+            </a:r>
+            <a:r>
+              <a:rPr lang="en-US" altLang="zh-CN" sz="2000" dirty="0">
+                <a:solidFill>
+                  <a:srgbClr val="000000"/>
+                </a:solidFill>
+              </a:rPr>
+              <a:t> {   </a:t>
             </a:r>
             <a:br>
-              <a:rPr lang="en-US" altLang="zh-CN" sz="2000">
+              <a:rPr lang="en-US" altLang="zh-CN" sz="2000" dirty="0">
                 <a:solidFill>
                   <a:srgbClr val="000000"/>
                 </a:solidFill>
               </a:rPr>
             </a:br>
             <a:r>
-              <a:rPr lang="en-US" altLang="zh-CN" sz="2000">
+              <a:rPr lang="en-US" altLang="zh-CN" sz="2000" dirty="0">
                 <a:solidFill>
                   <a:srgbClr val="000000"/>
                 </a:solidFill>
@@ -7112,15 +7322,47 @@
               </a:spcAft>
             </a:pPr>
             <a:r>
-              <a:rPr lang="en-US" altLang="zh-CN" sz="2000">
-                <a:solidFill>
-                  <a:srgbClr val="000000"/>
-                </a:solidFill>
-              </a:rPr>
-              <a:t>    __ino_t  d_ino; //</a:t>
-            </a:r>
-            <a:r>
-              <a:rPr lang="zh-CN" altLang="en-US" sz="2000">
+              <a:rPr lang="en-US" altLang="zh-CN" sz="2000" dirty="0">
+                <a:solidFill>
+                  <a:srgbClr val="000000"/>
+                </a:solidFill>
+              </a:rPr>
+              <a:t>    __</a:t>
+            </a:r>
+            <a:r>
+              <a:rPr lang="en-US" altLang="zh-CN" sz="2000" dirty="0" err="1">
+                <a:solidFill>
+                  <a:srgbClr val="000000"/>
+                </a:solidFill>
+              </a:rPr>
+              <a:t>ino_t</a:t>
+            </a:r>
+            <a:r>
+              <a:rPr lang="en-US" altLang="zh-CN" sz="2000" dirty="0">
+                <a:solidFill>
+                  <a:srgbClr val="000000"/>
+                </a:solidFill>
+              </a:rPr>
+              <a:t>  </a:t>
+            </a:r>
+            <a:r>
+              <a:rPr lang="en-US" altLang="zh-CN" sz="2000" dirty="0" err="1">
+                <a:solidFill>
+                  <a:srgbClr val="000000"/>
+                </a:solidFill>
+              </a:rPr>
+              <a:t>d_ino</a:t>
+            </a:r>
+            <a:r>
+              <a:rPr lang="en-US" altLang="zh-CN" sz="2000" dirty="0">
+                <a:solidFill>
+                  <a:srgbClr val="000000"/>
+                </a:solidFill>
+              </a:rPr>
+              <a:t>; //</a:t>
+            </a:r>
+            <a:r>
+              <a:rPr lang="zh-CN" altLang="en-US" sz="2000" dirty="0">
                 <a:solidFill>
                   <a:srgbClr val="000000"/>
                 </a:solidFill>
@@ -7128,7 +7370,7 @@
               <a:t>索引节点号</a:t>
             </a:r>
             <a:r>
-              <a:rPr lang="en-US" altLang="zh-CN" sz="2000">
+              <a:rPr lang="en-US" altLang="zh-CN" sz="2000" dirty="0">
                 <a:solidFill>
                   <a:srgbClr val="000000"/>
                 </a:solidFill>
@@ -7146,15 +7388,47 @@
               </a:spcAft>
             </a:pPr>
             <a:r>
-              <a:rPr lang="en-US" altLang="zh-CN" sz="2000">
-                <a:solidFill>
-                  <a:srgbClr val="000000"/>
-                </a:solidFill>
-              </a:rPr>
-              <a:t>    __off_t  d_off; //</a:t>
-            </a:r>
-            <a:r>
-              <a:rPr lang="zh-CN" altLang="en-US" sz="2000">
+              <a:rPr lang="en-US" altLang="zh-CN" sz="2000" dirty="0">
+                <a:solidFill>
+                  <a:srgbClr val="000000"/>
+                </a:solidFill>
+              </a:rPr>
+              <a:t>    __</a:t>
+            </a:r>
+            <a:r>
+              <a:rPr lang="en-US" altLang="zh-CN" sz="2000" dirty="0" err="1">
+                <a:solidFill>
+                  <a:srgbClr val="000000"/>
+                </a:solidFill>
+              </a:rPr>
+              <a:t>off_t</a:t>
+            </a:r>
+            <a:r>
+              <a:rPr lang="en-US" altLang="zh-CN" sz="2000" dirty="0">
+                <a:solidFill>
+                  <a:srgbClr val="000000"/>
+                </a:solidFill>
+              </a:rPr>
+              <a:t>  </a:t>
+            </a:r>
+            <a:r>
+              <a:rPr lang="en-US" altLang="zh-CN" sz="2000" dirty="0" err="1">
+                <a:solidFill>
+                  <a:srgbClr val="000000"/>
+                </a:solidFill>
+              </a:rPr>
+              <a:t>d_off</a:t>
+            </a:r>
+            <a:r>
+              <a:rPr lang="en-US" altLang="zh-CN" sz="2000" dirty="0">
+                <a:solidFill>
+                  <a:srgbClr val="000000"/>
+                </a:solidFill>
+              </a:rPr>
+              <a:t>; //</a:t>
+            </a:r>
+            <a:r>
+              <a:rPr lang="zh-CN" altLang="en-US" sz="2000" dirty="0">
                 <a:solidFill>
                   <a:srgbClr val="000000"/>
                 </a:solidFill>
@@ -7172,7 +7446,7 @@
               </a:spcAft>
             </a:pPr>
             <a:r>
-              <a:rPr lang="zh-CN" altLang="en-US" sz="2000">
+              <a:rPr lang="zh-CN" altLang="en-US" sz="2000" dirty="0">
                 <a:solidFill>
                   <a:srgbClr val="000000"/>
                 </a:solidFill>
@@ -7180,7 +7454,7 @@
               <a:t>        </a:t>
             </a:r>
             <a:r>
-              <a:rPr lang="en-US" altLang="zh-CN" sz="2000">
+              <a:rPr lang="en-US" altLang="zh-CN" sz="2000" dirty="0">
                 <a:solidFill>
                   <a:srgbClr val="000000"/>
                 </a:solidFill>
@@ -7198,12 +7472,28 @@
               </a:spcAft>
             </a:pPr>
             <a:r>
-              <a:rPr lang="en-US" altLang="zh-CN" sz="2000">
-                <a:solidFill>
-                  <a:srgbClr val="000000"/>
-                </a:solidFill>
-              </a:rPr>
-              <a:t>           __ino64_t  d_ino;</a:t>
+              <a:rPr lang="en-US" altLang="zh-CN" sz="2000" dirty="0">
+                <a:solidFill>
+                  <a:srgbClr val="000000"/>
+                </a:solidFill>
+              </a:rPr>
+              <a:t>           __ino64_t  </a:t>
+            </a:r>
+            <a:r>
+              <a:rPr lang="en-US" altLang="zh-CN" sz="2000" dirty="0" err="1">
+                <a:solidFill>
+                  <a:srgbClr val="000000"/>
+                </a:solidFill>
+              </a:rPr>
+              <a:t>d_ino</a:t>
+            </a:r>
+            <a:r>
+              <a:rPr lang="en-US" altLang="zh-CN" sz="2000" dirty="0">
+                <a:solidFill>
+                  <a:srgbClr val="000000"/>
+                </a:solidFill>
+              </a:rPr>
+              <a:t>;</a:t>
             </a:r>
           </a:p>
           <a:p>
@@ -7216,12 +7506,28 @@
               </a:spcAft>
             </a:pPr>
             <a:r>
-              <a:rPr lang="en-US" altLang="zh-CN" sz="2000">
-                <a:solidFill>
-                  <a:srgbClr val="000000"/>
-                </a:solidFill>
-              </a:rPr>
-              <a:t>          __off64_t   d_off;</a:t>
+              <a:rPr lang="en-US" altLang="zh-CN" sz="2000" dirty="0">
+                <a:solidFill>
+                  <a:srgbClr val="000000"/>
+                </a:solidFill>
+              </a:rPr>
+              <a:t>          __off64_t   </a:t>
+            </a:r>
+            <a:r>
+              <a:rPr lang="en-US" altLang="zh-CN" sz="2000" dirty="0" err="1">
+                <a:solidFill>
+                  <a:srgbClr val="000000"/>
+                </a:solidFill>
+              </a:rPr>
+              <a:t>d_off</a:t>
+            </a:r>
+            <a:r>
+              <a:rPr lang="en-US" altLang="zh-CN" sz="2000" dirty="0">
+                <a:solidFill>
+                  <a:srgbClr val="000000"/>
+                </a:solidFill>
+              </a:rPr>
+              <a:t>;</a:t>
             </a:r>
           </a:p>
           <a:p>
@@ -7234,7 +7540,7 @@
               </a:spcAft>
             </a:pPr>
             <a:r>
-              <a:rPr lang="en-US" altLang="zh-CN" sz="2000">
+              <a:rPr lang="en-US" altLang="zh-CN" sz="2000" dirty="0">
                 <a:solidFill>
                   <a:srgbClr val="000000"/>
                 </a:solidFill>
@@ -7252,15 +7558,31 @@
               </a:spcAft>
             </a:pPr>
             <a:r>
-              <a:rPr lang="en-US" altLang="zh-CN" sz="2000">
-                <a:solidFill>
-                  <a:srgbClr val="000000"/>
-                </a:solidFill>
-              </a:rPr>
-              <a:t>    unsigned   short   int   d_reclent;     //</a:t>
-            </a:r>
-            <a:r>
-              <a:rPr lang="zh-CN" altLang="en-US" sz="2000">
+              <a:rPr lang="en-US" altLang="zh-CN" sz="2000" dirty="0">
+                <a:solidFill>
+                  <a:srgbClr val="000000"/>
+                </a:solidFill>
+              </a:rPr>
+              <a:t>    unsigned   short   int   </a:t>
+            </a:r>
+            <a:r>
+              <a:rPr lang="en-US" altLang="zh-CN" sz="2000" dirty="0" err="1">
+                <a:solidFill>
+                  <a:srgbClr val="000000"/>
+                </a:solidFill>
+              </a:rPr>
+              <a:t>d_reclent</a:t>
+            </a:r>
+            <a:r>
+              <a:rPr lang="en-US" altLang="zh-CN" sz="2000" dirty="0">
+                <a:solidFill>
+                  <a:srgbClr val="000000"/>
+                </a:solidFill>
+              </a:rPr>
+              <a:t>;     //</a:t>
+            </a:r>
+            <a:r>
+              <a:rPr lang="zh-CN" altLang="en-US" sz="2000" dirty="0">
                 <a:solidFill>
                   <a:srgbClr val="000000"/>
                 </a:solidFill>
@@ -7278,7 +7600,7 @@
               </a:spcAft>
             </a:pPr>
             <a:r>
-              <a:rPr lang="zh-CN" altLang="en-US" sz="2000">
+              <a:rPr lang="zh-CN" altLang="en-US" sz="2000" dirty="0">
                 <a:solidFill>
                   <a:srgbClr val="000000"/>
                 </a:solidFill>
@@ -7286,15 +7608,39 @@
               <a:t>    </a:t>
             </a:r>
             <a:r>
-              <a:rPr lang="en-US" altLang="zh-CN" sz="2000">
-                <a:solidFill>
-                  <a:srgbClr val="000000"/>
-                </a:solidFill>
-              </a:rPr>
-              <a:t>unsigned   char   d_type;     //d_name</a:t>
-            </a:r>
-            <a:r>
-              <a:rPr lang="zh-CN" altLang="en-US" sz="2000">
+              <a:rPr lang="en-US" altLang="zh-CN" sz="2000" dirty="0">
+                <a:solidFill>
+                  <a:srgbClr val="000000"/>
+                </a:solidFill>
+              </a:rPr>
+              <a:t>unsigned   char   </a:t>
+            </a:r>
+            <a:r>
+              <a:rPr lang="en-US" altLang="zh-CN" sz="2000" dirty="0" err="1">
+                <a:solidFill>
+                  <a:srgbClr val="000000"/>
+                </a:solidFill>
+              </a:rPr>
+              <a:t>d_type</a:t>
+            </a:r>
+            <a:r>
+              <a:rPr lang="en-US" altLang="zh-CN" sz="2000" dirty="0">
+                <a:solidFill>
+                  <a:srgbClr val="000000"/>
+                </a:solidFill>
+              </a:rPr>
+              <a:t>;     //</a:t>
+            </a:r>
+            <a:r>
+              <a:rPr lang="en-US" altLang="zh-CN" sz="2000" dirty="0" err="1">
+                <a:solidFill>
+                  <a:srgbClr val="000000"/>
+                </a:solidFill>
+              </a:rPr>
+              <a:t>d_name</a:t>
+            </a:r>
+            <a:r>
+              <a:rPr lang="zh-CN" altLang="en-US" sz="2000" dirty="0">
                 <a:solidFill>
                   <a:srgbClr val="000000"/>
                 </a:solidFill>
@@ -7302,14 +7648,14 @@
               <a:t>所指的文件类型   </a:t>
             </a:r>
             <a:br>
-              <a:rPr lang="zh-CN" altLang="en-US" sz="2000">
+              <a:rPr lang="zh-CN" altLang="en-US" sz="2000" dirty="0">
                 <a:solidFill>
                   <a:srgbClr val="000000"/>
                 </a:solidFill>
               </a:rPr>
             </a:br>
             <a:r>
-              <a:rPr lang="zh-CN" altLang="en-US" sz="2000">
+              <a:rPr lang="zh-CN" altLang="en-US" sz="2000" dirty="0">
                 <a:solidFill>
                   <a:srgbClr val="000000"/>
                 </a:solidFill>
@@ -7317,15 +7663,31 @@
               <a:t>        </a:t>
             </a:r>
             <a:r>
-              <a:rPr lang="en-US" altLang="zh-CN" sz="2000">
-                <a:solidFill>
-                  <a:srgbClr val="000000"/>
-                </a:solidFill>
-              </a:rPr>
-              <a:t>char   d_name[256];     //</a:t>
-            </a:r>
-            <a:r>
-              <a:rPr lang="zh-CN" altLang="en-US" sz="2000">
+              <a:rPr lang="en-US" altLang="zh-CN" sz="2000" dirty="0">
+                <a:solidFill>
+                  <a:srgbClr val="000000"/>
+                </a:solidFill>
+              </a:rPr>
+              <a:t>char   </a:t>
+            </a:r>
+            <a:r>
+              <a:rPr lang="en-US" altLang="zh-CN" sz="2000" dirty="0" err="1">
+                <a:solidFill>
+                  <a:srgbClr val="000000"/>
+                </a:solidFill>
+              </a:rPr>
+              <a:t>d_name</a:t>
+            </a:r>
+            <a:r>
+              <a:rPr lang="en-US" altLang="zh-CN" sz="2000" dirty="0">
+                <a:solidFill>
+                  <a:srgbClr val="000000"/>
+                </a:solidFill>
+              </a:rPr>
+              <a:t>[256];     //</a:t>
+            </a:r>
+            <a:r>
+              <a:rPr lang="zh-CN" altLang="en-US" sz="2000" dirty="0">
                 <a:solidFill>
                   <a:srgbClr val="000000"/>
                 </a:solidFill>
@@ -7333,14 +7695,14 @@
               <a:t>文件名   </a:t>
             </a:r>
             <a:br>
-              <a:rPr lang="zh-CN" altLang="en-US" sz="2000">
+              <a:rPr lang="zh-CN" altLang="en-US" sz="2000" dirty="0">
                 <a:solidFill>
                   <a:srgbClr val="000000"/>
                 </a:solidFill>
               </a:rPr>
             </a:br>
             <a:r>
-              <a:rPr lang="zh-CN" altLang="en-US" sz="2000">
+              <a:rPr lang="zh-CN" altLang="en-US" sz="2000" dirty="0">
                 <a:solidFill>
                   <a:srgbClr val="000000"/>
                 </a:solidFill>
@@ -7348,7 +7710,7 @@
               <a:t>  </a:t>
             </a:r>
             <a:r>
-              <a:rPr lang="en-US" altLang="zh-CN" sz="2000">
+              <a:rPr lang="en-US" altLang="zh-CN" sz="2000" dirty="0">
                 <a:solidFill>
                   <a:srgbClr val="000000"/>
                 </a:solidFill>
@@ -7366,7 +7728,7 @@
               </a:spcAft>
             </a:pPr>
             <a:r>
-              <a:rPr lang="zh-CN" altLang="en-US" sz="2400">
+              <a:rPr lang="zh-CN" altLang="en-US" sz="2400" dirty="0">
                 <a:solidFill>
                   <a:srgbClr val="FF0000"/>
                 </a:solidFill>
@@ -7374,7 +7736,7 @@
               <a:t>注：需跳过两个目录项“</a:t>
             </a:r>
             <a:r>
-              <a:rPr lang="en-US" altLang="zh-CN" sz="2400">
+              <a:rPr lang="en-US" altLang="zh-CN" sz="2400" dirty="0">
                 <a:solidFill>
                   <a:srgbClr val="FF0000"/>
                 </a:solidFill>
@@ -7382,7 +7744,7 @@
               <a:t>.”</a:t>
             </a:r>
             <a:r>
-              <a:rPr lang="zh-CN" altLang="en-US" sz="2400">
+              <a:rPr lang="zh-CN" altLang="en-US" sz="2400" dirty="0">
                 <a:solidFill>
                   <a:srgbClr val="FF0000"/>
                 </a:solidFill>
@@ -7390,7 +7752,7 @@
               <a:t>和“</a:t>
             </a:r>
             <a:r>
-              <a:rPr lang="en-US" altLang="zh-CN" sz="2400">
+              <a:rPr lang="en-US" altLang="zh-CN" sz="2400" dirty="0">
                 <a:solidFill>
                   <a:srgbClr val="FF0000"/>
                 </a:solidFill>
@@ -7408,7 +7770,7 @@
               </a:spcAft>
             </a:pPr>
             <a:r>
-              <a:rPr lang="zh-CN" altLang="en-US" sz="2400">
+              <a:rPr lang="zh-CN" altLang="en-US" sz="2400" dirty="0">
                 <a:solidFill>
                   <a:srgbClr val="FF0000"/>
                 </a:solidFill>
@@ -7416,13 +7778,42 @@
               <a:t>定义见</a:t>
             </a:r>
             <a:r>
-              <a:rPr lang="en-US" altLang="zh-CN" sz="2400">
+              <a:rPr lang="en-US" altLang="zh-CN" sz="2400" dirty="0">
                 <a:solidFill>
                   <a:srgbClr val="FF0000"/>
                 </a:solidFill>
               </a:rPr>
-              <a:t>/usr/include/dirent.h</a:t>
-            </a:r>
+              <a:t>/</a:t>
+            </a:r>
+            <a:r>
+              <a:rPr lang="en-US" altLang="zh-CN" sz="2400" dirty="0" err="1">
+                <a:solidFill>
+                  <a:srgbClr val="FF0000"/>
+                </a:solidFill>
+              </a:rPr>
+              <a:t>usr</a:t>
+            </a:r>
+            <a:r>
+              <a:rPr lang="en-US" altLang="zh-CN" sz="2400" dirty="0">
+                <a:solidFill>
+                  <a:srgbClr val="FF0000"/>
+                </a:solidFill>
+              </a:rPr>
+              <a:t>/include/</a:t>
+            </a:r>
+            <a:r>
+              <a:rPr lang="en-US" altLang="zh-CN" sz="2400" dirty="0" err="1">
+                <a:solidFill>
+                  <a:srgbClr val="FF0000"/>
+                </a:solidFill>
+              </a:rPr>
+              <a:t>dirent.h</a:t>
+            </a:r>
+            <a:endParaRPr lang="en-US" altLang="zh-CN" sz="2400" dirty="0">
+              <a:solidFill>
+                <a:srgbClr val="FF0000"/>
+              </a:solidFill>
+            </a:endParaRPr>
           </a:p>
         </p:txBody>
       </p:sp>
@@ -7632,13 +8023,22 @@
               <a:buChar char="•"/>
             </a:pPr>
             <a:r>
-              <a:rPr lang="en-US" altLang="zh-CN" sz="2400">
-                <a:solidFill>
-                  <a:srgbClr val="000000"/>
-                </a:solidFill>
-                <a:latin typeface="宋体" panose="02010600030101010101" pitchFamily="2" charset="-122"/>
-              </a:rPr>
-              <a:t>chdir()</a:t>
+              <a:rPr lang="en-US" altLang="zh-CN" sz="2400" dirty="0" err="1">
+                <a:solidFill>
+                  <a:srgbClr val="000000"/>
+                </a:solidFill>
+                <a:latin typeface="宋体" panose="02010600030101010101" pitchFamily="2" charset="-122"/>
+              </a:rPr>
+              <a:t>chdir</a:t>
+            </a:r>
+            <a:r>
+              <a:rPr lang="en-US" altLang="zh-CN" sz="2400" dirty="0">
+                <a:solidFill>
+                  <a:srgbClr val="000000"/>
+                </a:solidFill>
+                <a:latin typeface="宋体" panose="02010600030101010101" pitchFamily="2" charset="-122"/>
+              </a:rPr>
+              <a:t>()</a:t>
             </a:r>
           </a:p>
           <a:p>
@@ -7651,13 +8051,31 @@
               </a:spcAft>
             </a:pPr>
             <a:r>
-              <a:rPr lang="en-US" altLang="zh-CN" sz="2400">
-                <a:solidFill>
-                  <a:srgbClr val="000000"/>
-                </a:solidFill>
-                <a:latin typeface="宋体" panose="02010600030101010101" pitchFamily="2" charset="-122"/>
-              </a:rPr>
-              <a:t>int chdir(const char *path);</a:t>
+              <a:rPr lang="en-US" altLang="zh-CN" sz="2400" dirty="0">
+                <a:solidFill>
+                  <a:srgbClr val="000000"/>
+                </a:solidFill>
+                <a:latin typeface="宋体" panose="02010600030101010101" pitchFamily="2" charset="-122"/>
+              </a:rPr>
+              <a:t>int </a:t>
+            </a:r>
+            <a:r>
+              <a:rPr lang="en-US" altLang="zh-CN" sz="2400" dirty="0" err="1">
+                <a:solidFill>
+                  <a:srgbClr val="000000"/>
+                </a:solidFill>
+                <a:latin typeface="宋体" panose="02010600030101010101" pitchFamily="2" charset="-122"/>
+              </a:rPr>
+              <a:t>chdir</a:t>
+            </a:r>
+            <a:r>
+              <a:rPr lang="en-US" altLang="zh-CN" sz="2400" dirty="0">
+                <a:solidFill>
+                  <a:srgbClr val="000000"/>
+                </a:solidFill>
+                <a:latin typeface="宋体" panose="02010600030101010101" pitchFamily="2" charset="-122"/>
+              </a:rPr>
+              <a:t>(const char *path);</a:t>
             </a:r>
           </a:p>
           <a:p>
@@ -7670,7 +8088,7 @@
               </a:spcAft>
             </a:pPr>
             <a:r>
-              <a:rPr lang="zh-CN" altLang="en-US" sz="2400">
+              <a:rPr lang="zh-CN" altLang="en-US" sz="2400" dirty="0">
                 <a:solidFill>
                   <a:srgbClr val="000000"/>
                 </a:solidFill>
@@ -7679,7 +8097,7 @@
               <a:t>改变目录</a:t>
             </a:r>
             <a:r>
-              <a:rPr lang="en-US" altLang="zh-CN" sz="2400">
+              <a:rPr lang="en-US" altLang="zh-CN" sz="2400" dirty="0">
                 <a:solidFill>
                   <a:srgbClr val="000000"/>
                 </a:solidFill>
@@ -7688,7 +8106,7 @@
               <a:t>,</a:t>
             </a:r>
             <a:r>
-              <a:rPr lang="zh-CN" altLang="en-US" sz="2400">
+              <a:rPr lang="zh-CN" altLang="en-US" sz="2400" dirty="0">
                 <a:solidFill>
                   <a:srgbClr val="000000"/>
                 </a:solidFill>
@@ -7697,7 +8115,7 @@
               <a:t>与用户通过</a:t>
             </a:r>
             <a:r>
-              <a:rPr lang="en-US" altLang="zh-CN" sz="2400">
+              <a:rPr lang="en-US" altLang="zh-CN" sz="2400" dirty="0">
                 <a:solidFill>
                   <a:srgbClr val="000000"/>
                 </a:solidFill>
@@ -7706,7 +8124,7 @@
               <a:t>cd</a:t>
             </a:r>
             <a:r>
-              <a:rPr lang="zh-CN" altLang="en-US" sz="2400">
+              <a:rPr lang="zh-CN" altLang="en-US" sz="2400" dirty="0">
                 <a:solidFill>
                   <a:srgbClr val="000000"/>
                 </a:solidFill>
@@ -7715,7 +8133,7 @@
               <a:t>命令改变目录一样，程序也可以通过</a:t>
             </a:r>
             <a:r>
-              <a:rPr lang="en-US" altLang="zh-CN" sz="2400">
+              <a:rPr lang="en-US" altLang="zh-CN" sz="2400" dirty="0" err="1">
                 <a:solidFill>
                   <a:srgbClr val="000000"/>
                 </a:solidFill>
@@ -7724,7 +8142,7 @@
               <a:t>chdir</a:t>
             </a:r>
             <a:r>
-              <a:rPr lang="zh-CN" altLang="en-US" sz="2400">
+              <a:rPr lang="zh-CN" altLang="en-US" sz="2400" dirty="0">
                 <a:solidFill>
                   <a:srgbClr val="000000"/>
                 </a:solidFill>
@@ -7733,16 +8151,43 @@
               <a:t>来改变目录，这样使得 </a:t>
             </a:r>
             <a:r>
-              <a:rPr lang="en-US" altLang="zh-CN" sz="2400">
-                <a:solidFill>
-                  <a:srgbClr val="000000"/>
-                </a:solidFill>
-                <a:latin typeface="宋体" panose="02010600030101010101" pitchFamily="2" charset="-122"/>
-              </a:rPr>
-              <a:t>fopen(),opendir(),</a:t>
-            </a:r>
-            <a:r>
-              <a:rPr lang="zh-CN" altLang="en-US" sz="2400">
+              <a:rPr lang="en-US" altLang="zh-CN" sz="2400" dirty="0" err="1">
+                <a:solidFill>
+                  <a:srgbClr val="000000"/>
+                </a:solidFill>
+                <a:latin typeface="宋体" panose="02010600030101010101" pitchFamily="2" charset="-122"/>
+              </a:rPr>
+              <a:t>fopen</a:t>
+            </a:r>
+            <a:r>
+              <a:rPr lang="en-US" altLang="zh-CN" sz="2400" dirty="0">
+                <a:solidFill>
+                  <a:srgbClr val="000000"/>
+                </a:solidFill>
+                <a:latin typeface="宋体" panose="02010600030101010101" pitchFamily="2" charset="-122"/>
+              </a:rPr>
+              <a:t>(),</a:t>
+            </a:r>
+            <a:r>
+              <a:rPr lang="en-US" altLang="zh-CN" sz="2400" dirty="0" err="1">
+                <a:solidFill>
+                  <a:srgbClr val="000000"/>
+                </a:solidFill>
+                <a:latin typeface="宋体" panose="02010600030101010101" pitchFamily="2" charset="-122"/>
+              </a:rPr>
+              <a:t>opendir</a:t>
+            </a:r>
+            <a:r>
+              <a:rPr lang="en-US" altLang="zh-CN" sz="2400" dirty="0">
+                <a:solidFill>
+                  <a:srgbClr val="000000"/>
+                </a:solidFill>
+                <a:latin typeface="宋体" panose="02010600030101010101" pitchFamily="2" charset="-122"/>
+              </a:rPr>
+              <a:t>(),</a:t>
+            </a:r>
+            <a:r>
+              <a:rPr lang="zh-CN" altLang="en-US" sz="2400" dirty="0">
                 <a:solidFill>
                   <a:srgbClr val="000000"/>
                 </a:solidFill>
@@ -7751,7 +8196,7 @@
               <a:t>这里需要路径的系统调用，可以使用相对于当前目录的相对路径打开文件</a:t>
             </a:r>
             <a:r>
-              <a:rPr lang="en-US" altLang="zh-CN" sz="2400">
+              <a:rPr lang="en-US" altLang="zh-CN" sz="2400" dirty="0">
                 <a:solidFill>
                   <a:srgbClr val="000000"/>
                 </a:solidFill>
@@ -7760,7 +8205,7 @@
               <a:t>(</a:t>
             </a:r>
             <a:r>
-              <a:rPr lang="zh-CN" altLang="en-US" sz="2400">
+              <a:rPr lang="zh-CN" altLang="en-US" sz="2400" dirty="0">
                 <a:solidFill>
                   <a:srgbClr val="000000"/>
                 </a:solidFill>
@@ -7769,7 +8214,7 @@
               <a:t>目录</a:t>
             </a:r>
             <a:r>
-              <a:rPr lang="en-US" altLang="zh-CN" sz="2400">
+              <a:rPr lang="en-US" altLang="zh-CN" sz="2400" dirty="0">
                 <a:solidFill>
                   <a:srgbClr val="000000"/>
                 </a:solidFill>
@@ -7778,7 +8223,7 @@
               <a:t>)</a:t>
             </a:r>
             <a:r>
-              <a:rPr lang="zh-CN" altLang="en-US" sz="2400">
+              <a:rPr lang="zh-CN" altLang="en-US" sz="2400" dirty="0">
                 <a:solidFill>
                   <a:srgbClr val="000000"/>
                 </a:solidFill>
@@ -7786,7 +8231,7 @@
               </a:rPr>
               <a:t>。</a:t>
             </a:r>
-            <a:endParaRPr lang="en-US" altLang="zh-CN" sz="2400">
+            <a:endParaRPr lang="en-US" altLang="zh-CN" sz="2400" dirty="0">
               <a:solidFill>
                 <a:srgbClr val="000000"/>
               </a:solidFill>
@@ -7802,7 +8247,7 @@
                 <a:spcPct val="0"/>
               </a:spcAft>
             </a:pPr>
-            <a:endParaRPr lang="zh-CN" altLang="en-US" sz="2400">
+            <a:endParaRPr lang="zh-CN" altLang="en-US" sz="2400" dirty="0">
               <a:solidFill>
                 <a:srgbClr val="000000"/>
               </a:solidFill>
@@ -7821,13 +8266,22 @@
               <a:buChar char="•"/>
             </a:pPr>
             <a:r>
-              <a:rPr lang="en-US" altLang="zh-CN" sz="2400">
-                <a:solidFill>
-                  <a:srgbClr val="000000"/>
-                </a:solidFill>
-                <a:latin typeface="宋体" panose="02010600030101010101" pitchFamily="2" charset="-122"/>
-              </a:rPr>
-              <a:t>closedir()</a:t>
+              <a:rPr lang="en-US" altLang="zh-CN" sz="2400" dirty="0" err="1">
+                <a:solidFill>
+                  <a:srgbClr val="000000"/>
+                </a:solidFill>
+                <a:latin typeface="宋体" panose="02010600030101010101" pitchFamily="2" charset="-122"/>
+              </a:rPr>
+              <a:t>closedir</a:t>
+            </a:r>
+            <a:r>
+              <a:rPr lang="en-US" altLang="zh-CN" sz="2400" dirty="0">
+                <a:solidFill>
+                  <a:srgbClr val="000000"/>
+                </a:solidFill>
+                <a:latin typeface="宋体" panose="02010600030101010101" pitchFamily="2" charset="-122"/>
+              </a:rPr>
+              <a:t>()</a:t>
             </a:r>
           </a:p>
           <a:p>
@@ -7840,13 +8294,31 @@
               </a:spcAft>
             </a:pPr>
             <a:r>
-              <a:rPr lang="en-US" altLang="zh-CN" sz="2400">
-                <a:solidFill>
-                  <a:srgbClr val="000000"/>
-                </a:solidFill>
-                <a:latin typeface="宋体" panose="02010600030101010101" pitchFamily="2" charset="-122"/>
-              </a:rPr>
-              <a:t>int closedir(DIR*)</a:t>
+              <a:rPr lang="en-US" altLang="zh-CN" sz="2400" dirty="0">
+                <a:solidFill>
+                  <a:srgbClr val="000000"/>
+                </a:solidFill>
+                <a:latin typeface="宋体" panose="02010600030101010101" pitchFamily="2" charset="-122"/>
+              </a:rPr>
+              <a:t>int </a:t>
+            </a:r>
+            <a:r>
+              <a:rPr lang="en-US" altLang="zh-CN" sz="2400" dirty="0" err="1">
+                <a:solidFill>
+                  <a:srgbClr val="000000"/>
+                </a:solidFill>
+                <a:latin typeface="宋体" panose="02010600030101010101" pitchFamily="2" charset="-122"/>
+              </a:rPr>
+              <a:t>closedir</a:t>
+            </a:r>
+            <a:r>
+              <a:rPr lang="en-US" altLang="zh-CN" sz="2400" dirty="0">
+                <a:solidFill>
+                  <a:srgbClr val="000000"/>
+                </a:solidFill>
+                <a:latin typeface="宋体" panose="02010600030101010101" pitchFamily="2" charset="-122"/>
+              </a:rPr>
+              <a:t>(DIR*)</a:t>
             </a:r>
           </a:p>
           <a:p>
@@ -7859,7 +8331,7 @@
               </a:spcAft>
             </a:pPr>
             <a:r>
-              <a:rPr lang="zh-CN" altLang="en-US" sz="2400">
+              <a:rPr lang="zh-CN" altLang="en-US" sz="2400" dirty="0">
                 <a:solidFill>
                   <a:srgbClr val="000000"/>
                 </a:solidFill>
@@ -8832,7 +9304,7 @@
               <a:buNone/>
             </a:pPr>
             <a:r>
-              <a:rPr lang="en-US" altLang="zh-CN" sz="2000">
+              <a:rPr lang="en-US" altLang="zh-CN" sz="2000" dirty="0">
                 <a:solidFill>
                   <a:schemeClr val="tx1"/>
                 </a:solidFill>
@@ -8843,7 +9315,7 @@
               <a:t>while(</a:t>
             </a:r>
             <a:r>
-              <a:rPr lang="zh-CN" altLang="en-US" sz="2000">
+              <a:rPr lang="zh-CN" altLang="en-US" sz="2000" dirty="0">
                 <a:solidFill>
                   <a:schemeClr val="tx1"/>
                 </a:solidFill>
@@ -8854,7 +9326,7 @@
               <a:t>读到一个目录项</a:t>
             </a:r>
             <a:r>
-              <a:rPr lang="en-US" altLang="zh-CN" sz="2000">
+              <a:rPr lang="en-US" altLang="zh-CN" sz="2000" dirty="0">
                 <a:solidFill>
                   <a:schemeClr val="tx1"/>
                 </a:solidFill>
@@ -8874,7 +9346,7 @@
               <a:buNone/>
             </a:pPr>
             <a:r>
-              <a:rPr lang="en-US" altLang="zh-CN" sz="2000">
+              <a:rPr lang="en-US" altLang="zh-CN" sz="2000" dirty="0">
                 <a:solidFill>
                   <a:schemeClr val="tx1"/>
                 </a:solidFill>
@@ -8885,7 +9357,7 @@
               <a:t>        </a:t>
             </a:r>
             <a:r>
-              <a:rPr lang="zh-CN" altLang="en-US" sz="2000">
+              <a:rPr lang="zh-CN" altLang="en-US" sz="2000" dirty="0">
                 <a:solidFill>
                   <a:schemeClr val="tx1"/>
                 </a:solidFill>
@@ -8896,7 +9368,7 @@
               <a:t>以该目录项的名字为参数</a:t>
             </a:r>
             <a:r>
-              <a:rPr lang="en-US" altLang="zh-CN" sz="2000">
+              <a:rPr lang="en-US" altLang="zh-CN" sz="2000" dirty="0">
                 <a:solidFill>
                   <a:schemeClr val="tx1"/>
                 </a:solidFill>
@@ -8907,7 +9379,7 @@
               <a:t>,</a:t>
             </a:r>
             <a:r>
-              <a:rPr lang="zh-CN" altLang="en-US" sz="2000">
+              <a:rPr lang="zh-CN" altLang="en-US" sz="2000" dirty="0">
                 <a:solidFill>
                   <a:schemeClr val="tx1"/>
                 </a:solidFill>
@@ -8918,7 +9390,7 @@
               <a:t>调用</a:t>
             </a:r>
             <a:r>
-              <a:rPr lang="en-US" altLang="zh-CN" sz="2000">
+              <a:rPr lang="en-US" altLang="zh-CN" sz="2000" dirty="0" err="1">
                 <a:solidFill>
                   <a:schemeClr val="tx1"/>
                 </a:solidFill>
@@ -8929,7 +9401,7 @@
               <a:t>lstat</a:t>
             </a:r>
             <a:r>
-              <a:rPr lang="zh-CN" altLang="en-US" sz="2000">
+              <a:rPr lang="zh-CN" altLang="en-US" sz="2000" dirty="0">
                 <a:solidFill>
                   <a:schemeClr val="tx1"/>
                 </a:solidFill>
@@ -8940,7 +9412,7 @@
               <a:t>得到该目录项的相关信息</a:t>
             </a:r>
             <a:r>
-              <a:rPr lang="en-US" altLang="zh-CN" sz="2000">
+              <a:rPr lang="en-US" altLang="zh-CN" sz="2000" dirty="0">
                 <a:solidFill>
                   <a:schemeClr val="tx1"/>
                 </a:solidFill>
@@ -8960,7 +9432,7 @@
               <a:buNone/>
             </a:pPr>
             <a:r>
-              <a:rPr lang="en-US" altLang="zh-CN" sz="2000">
+              <a:rPr lang="en-US" altLang="zh-CN" sz="2000" dirty="0">
                 <a:solidFill>
                   <a:schemeClr val="tx1"/>
                 </a:solidFill>
@@ -8971,7 +9443,7 @@
               <a:t>        if(</a:t>
             </a:r>
             <a:r>
-              <a:rPr lang="zh-CN" altLang="en-US" sz="2000">
+              <a:rPr lang="zh-CN" altLang="en-US" sz="2000" dirty="0">
                 <a:solidFill>
                   <a:schemeClr val="tx1"/>
                 </a:solidFill>
@@ -8982,7 +9454,7 @@
               <a:t>是目录</a:t>
             </a:r>
             <a:r>
-              <a:rPr lang="en-US" altLang="zh-CN" sz="2000">
+              <a:rPr lang="en-US" altLang="zh-CN" sz="2000" dirty="0">
                 <a:solidFill>
                   <a:schemeClr val="tx1"/>
                 </a:solidFill>
@@ -9002,7 +9474,7 @@
               <a:buNone/>
             </a:pPr>
             <a:r>
-              <a:rPr lang="en-US" altLang="zh-CN" sz="2000">
+              <a:rPr lang="en-US" altLang="zh-CN" sz="2000" dirty="0">
                 <a:solidFill>
                   <a:schemeClr val="tx1"/>
                 </a:solidFill>
@@ -9013,7 +9485,7 @@
               <a:t>            if(</a:t>
             </a:r>
             <a:r>
-              <a:rPr lang="zh-CN" altLang="en-US" sz="2000">
+              <a:rPr lang="zh-CN" altLang="en-US" sz="2000" dirty="0">
                 <a:solidFill>
                   <a:schemeClr val="tx1"/>
                 </a:solidFill>
@@ -9024,7 +9496,7 @@
               <a:t>目录项的名字是”</a:t>
             </a:r>
             <a:r>
-              <a:rPr lang="en-US" altLang="zh-CN" sz="2000">
+              <a:rPr lang="en-US" altLang="zh-CN" sz="2000" dirty="0">
                 <a:solidFill>
                   <a:schemeClr val="tx1"/>
                 </a:solidFill>
@@ -9035,7 +9507,7 @@
               <a:t>..”</a:t>
             </a:r>
             <a:r>
-              <a:rPr lang="zh-CN" altLang="en-US" sz="2000">
+              <a:rPr lang="zh-CN" altLang="en-US" sz="2000" dirty="0">
                 <a:solidFill>
                   <a:schemeClr val="tx1"/>
                 </a:solidFill>
@@ -9046,7 +9518,7 @@
               <a:t>或”</a:t>
             </a:r>
             <a:r>
-              <a:rPr lang="en-US" altLang="zh-CN" sz="2000">
+              <a:rPr lang="en-US" altLang="zh-CN" sz="2000" dirty="0">
                 <a:solidFill>
                   <a:schemeClr val="tx1"/>
                 </a:solidFill>
@@ -9066,7 +9538,7 @@
               <a:buNone/>
             </a:pPr>
             <a:r>
-              <a:rPr lang="en-US" altLang="zh-CN" sz="2000">
+              <a:rPr lang="en-US" altLang="zh-CN" sz="2000" dirty="0">
                 <a:solidFill>
                   <a:schemeClr val="tx1"/>
                 </a:solidFill>
@@ -9077,7 +9549,7 @@
               <a:t>               	 </a:t>
             </a:r>
             <a:r>
-              <a:rPr lang="zh-CN" altLang="en-US" sz="2000">
+              <a:rPr lang="zh-CN" altLang="en-US" sz="2000" dirty="0">
                 <a:solidFill>
                   <a:schemeClr val="tx1"/>
                 </a:solidFill>
@@ -9088,7 +9560,7 @@
               <a:t>跳过该目录项</a:t>
             </a:r>
             <a:r>
-              <a:rPr lang="en-US" altLang="zh-CN" sz="2000">
+              <a:rPr lang="en-US" altLang="zh-CN" sz="2000" dirty="0">
                 <a:solidFill>
                   <a:schemeClr val="tx1"/>
                 </a:solidFill>
@@ -9108,7 +9580,7 @@
               <a:buNone/>
             </a:pPr>
             <a:r>
-              <a:rPr lang="en-US" altLang="zh-CN" sz="2000">
+              <a:rPr lang="en-US" altLang="zh-CN" sz="2000" dirty="0">
                 <a:solidFill>
                   <a:schemeClr val="tx1"/>
                 </a:solidFill>
@@ -9119,7 +9591,7 @@
               <a:t>            </a:t>
             </a:r>
             <a:r>
-              <a:rPr lang="zh-CN" altLang="en-US" sz="2000">
+              <a:rPr lang="zh-CN" altLang="en-US" sz="2000" dirty="0">
                 <a:solidFill>
                   <a:schemeClr val="tx1"/>
                 </a:solidFill>
@@ -9139,7 +9611,7 @@
               <a:buNone/>
             </a:pPr>
             <a:r>
-              <a:rPr lang="zh-CN" altLang="en-US" sz="2000">
+              <a:rPr lang="zh-CN" altLang="en-US" sz="2000" dirty="0">
                 <a:solidFill>
                   <a:schemeClr val="tx1"/>
                 </a:solidFill>
@@ -9150,18 +9622,29 @@
               <a:t>            递归调用</a:t>
             </a:r>
             <a:r>
-              <a:rPr lang="en-US" altLang="zh-CN" sz="2000">
-                <a:solidFill>
-                  <a:schemeClr val="tx1"/>
-                </a:solidFill>
-                <a:effectLst/>
-                <a:latin typeface="宋体" panose="02010600030101010101" pitchFamily="2" charset="-122"/>
-                <a:ea typeface="宋体" panose="02010600030101010101" pitchFamily="2" charset="-122"/>
-              </a:rPr>
-              <a:t>printdir,</a:t>
-            </a:r>
-            <a:r>
-              <a:rPr lang="zh-CN" altLang="en-US" sz="2000">
+              <a:rPr lang="en-US" altLang="zh-CN" sz="2000" dirty="0" err="1">
+                <a:solidFill>
+                  <a:schemeClr val="tx1"/>
+                </a:solidFill>
+                <a:effectLst/>
+                <a:latin typeface="宋体" panose="02010600030101010101" pitchFamily="2" charset="-122"/>
+                <a:ea typeface="宋体" panose="02010600030101010101" pitchFamily="2" charset="-122"/>
+              </a:rPr>
+              <a:t>printdir</a:t>
+            </a:r>
+            <a:r>
+              <a:rPr lang="en-US" altLang="zh-CN" sz="2000" dirty="0">
+                <a:solidFill>
+                  <a:schemeClr val="tx1"/>
+                </a:solidFill>
+                <a:effectLst/>
+                <a:latin typeface="宋体" panose="02010600030101010101" pitchFamily="2" charset="-122"/>
+                <a:ea typeface="宋体" panose="02010600030101010101" pitchFamily="2" charset="-122"/>
+              </a:rPr>
+              <a:t>,</a:t>
+            </a:r>
+            <a:r>
+              <a:rPr lang="zh-CN" altLang="en-US" sz="2000" dirty="0">
                 <a:solidFill>
                   <a:schemeClr val="tx1"/>
                 </a:solidFill>
@@ -9172,7 +9655,7 @@
               <a:t>打印子目录的信息</a:t>
             </a:r>
             <a:r>
-              <a:rPr lang="en-US" altLang="zh-CN" sz="2000">
+              <a:rPr lang="en-US" altLang="zh-CN" sz="2000" dirty="0">
                 <a:solidFill>
                   <a:schemeClr val="tx1"/>
                 </a:solidFill>
@@ -9183,7 +9666,7 @@
               <a:t>,</a:t>
             </a:r>
             <a:r>
-              <a:rPr lang="zh-CN" altLang="en-US" sz="2000">
+              <a:rPr lang="zh-CN" altLang="en-US" sz="2000" dirty="0">
                 <a:solidFill>
                   <a:schemeClr val="tx1"/>
                 </a:solidFill>
@@ -9194,7 +9677,7 @@
               <a:t>其中的</a:t>
             </a:r>
             <a:r>
-              <a:rPr lang="en-US" altLang="zh-CN" sz="2000">
+              <a:rPr lang="en-US" altLang="zh-CN" sz="2000" dirty="0">
                 <a:solidFill>
                   <a:schemeClr val="tx1"/>
                 </a:solidFill>
@@ -9214,7 +9697,7 @@
               <a:buNone/>
             </a:pPr>
             <a:r>
-              <a:rPr lang="en-US" altLang="zh-CN" sz="2000">
+              <a:rPr lang="en-US" altLang="zh-CN" sz="2000" dirty="0">
                 <a:solidFill>
                   <a:schemeClr val="tx1"/>
                 </a:solidFill>
@@ -9234,7 +9717,7 @@
               <a:buNone/>
             </a:pPr>
             <a:r>
-              <a:rPr lang="en-US" altLang="zh-CN" sz="2000">
+              <a:rPr lang="en-US" altLang="zh-CN" sz="2000" dirty="0">
                 <a:solidFill>
                   <a:schemeClr val="tx1"/>
                 </a:solidFill>
@@ -9245,7 +9728,7 @@
               <a:t>	 else</a:t>
             </a:r>
             <a:r>
-              <a:rPr lang="zh-CN" altLang="en-US" sz="2000">
+              <a:rPr lang="zh-CN" altLang="en-US" sz="2000" dirty="0">
                 <a:solidFill>
                   <a:schemeClr val="tx1"/>
                 </a:solidFill>
@@ -9265,7 +9748,7 @@
               <a:buNone/>
             </a:pPr>
             <a:r>
-              <a:rPr lang="zh-CN" altLang="en-US" sz="2000">
+              <a:rPr lang="zh-CN" altLang="en-US" sz="2000" dirty="0">
                 <a:solidFill>
                   <a:schemeClr val="tx1"/>
                 </a:solidFill>
@@ -9276,7 +9759,7 @@
               <a:t>    </a:t>
             </a:r>
             <a:r>
-              <a:rPr lang="en-US" altLang="zh-CN" sz="2000">
+              <a:rPr lang="en-US" altLang="zh-CN" sz="2000" dirty="0">
                 <a:solidFill>
                   <a:schemeClr val="tx1"/>
                 </a:solidFill>
@@ -9296,7 +9779,7 @@
               <a:buNone/>
             </a:pPr>
             <a:r>
-              <a:rPr lang="en-US" altLang="zh-CN" sz="2000">
+              <a:rPr lang="en-US" altLang="zh-CN" sz="2000" dirty="0">
                 <a:solidFill>
                   <a:schemeClr val="tx1"/>
                 </a:solidFill>
@@ -9307,7 +9790,7 @@
               <a:t>    </a:t>
             </a:r>
             <a:r>
-              <a:rPr lang="zh-CN" altLang="en-US" sz="2000">
+              <a:rPr lang="zh-CN" altLang="en-US" sz="2000" dirty="0">
                 <a:solidFill>
                   <a:schemeClr val="tx1"/>
                 </a:solidFill>
@@ -9318,7 +9801,7 @@
               <a:t>返回父目录</a:t>
             </a:r>
             <a:r>
-              <a:rPr lang="en-US" altLang="zh-CN" sz="2000">
+              <a:rPr lang="en-US" altLang="zh-CN" sz="2000" dirty="0">
                 <a:solidFill>
                   <a:schemeClr val="tx1"/>
                 </a:solidFill>
@@ -9338,7 +9821,7 @@
               <a:buNone/>
             </a:pPr>
             <a:r>
-              <a:rPr lang="en-US" altLang="zh-CN" sz="2000">
+              <a:rPr lang="en-US" altLang="zh-CN" sz="2000" dirty="0">
                 <a:solidFill>
                   <a:schemeClr val="tx1"/>
                 </a:solidFill>
@@ -9349,7 +9832,7 @@
               <a:t>    </a:t>
             </a:r>
             <a:r>
-              <a:rPr lang="zh-CN" altLang="en-US" sz="2000">
+              <a:rPr lang="zh-CN" altLang="en-US" sz="2000" dirty="0">
                 <a:solidFill>
                   <a:schemeClr val="tx1"/>
                 </a:solidFill>
@@ -9360,7 +9843,7 @@
               <a:t>关闭目录项</a:t>
             </a:r>
             <a:r>
-              <a:rPr lang="en-US" altLang="zh-CN" sz="2000">
+              <a:rPr lang="en-US" altLang="zh-CN" sz="2000" dirty="0">
                 <a:solidFill>
                   <a:schemeClr val="tx1"/>
                 </a:solidFill>
@@ -9380,7 +9863,7 @@
               <a:buNone/>
             </a:pPr>
             <a:r>
-              <a:rPr lang="en-US" altLang="zh-CN" sz="2000">
+              <a:rPr lang="en-US" altLang="zh-CN" sz="2000" dirty="0">
                 <a:solidFill>
                   <a:schemeClr val="tx1"/>
                 </a:solidFill>
@@ -9399,7 +9882,7 @@
               <a:buFontTx/>
               <a:buNone/>
             </a:pPr>
-            <a:endParaRPr lang="en-US" altLang="zh-CN" sz="2000">
+            <a:endParaRPr lang="en-US" altLang="zh-CN" sz="2000" dirty="0">
               <a:solidFill>
                 <a:schemeClr val="tx1"/>
               </a:solidFill>
@@ -9417,7 +9900,7 @@
               <a:buNone/>
             </a:pPr>
             <a:r>
-              <a:rPr lang="en-US" altLang="zh-CN" sz="2000">
+              <a:rPr lang="en-US" altLang="zh-CN" sz="2000" dirty="0">
                 <a:solidFill>
                   <a:schemeClr val="tx1"/>
                 </a:solidFill>
@@ -9437,7 +9920,7 @@
               <a:buNone/>
             </a:pPr>
             <a:r>
-              <a:rPr lang="en-US" altLang="zh-CN" sz="2000">
+              <a:rPr lang="en-US" altLang="zh-CN" sz="2000" dirty="0">
                 <a:solidFill>
                   <a:schemeClr val="tx1"/>
                 </a:solidFill>
@@ -9457,7 +9940,7 @@
               <a:buNone/>
             </a:pPr>
             <a:r>
-              <a:rPr lang="en-US" altLang="zh-CN" sz="2000">
+              <a:rPr lang="en-US" altLang="zh-CN" sz="2000" dirty="0">
                 <a:solidFill>
                   <a:schemeClr val="tx1"/>
                 </a:solidFill>
